--- a/img/brandDistribution.pptx
+++ b/img/brandDistribution.pptx
@@ -5,8 +5,9 @@
     <p:sldMasterId id="2147483648" r:id="rId1"/>
   </p:sldMasterIdLst>
   <p:sldIdLst>
-    <p:sldId id="256" r:id="rId2"/>
-    <p:sldId id="257" r:id="rId3"/>
+    <p:sldId id="258" r:id="rId2"/>
+    <p:sldId id="256" r:id="rId3"/>
+    <p:sldId id="257" r:id="rId4"/>
   </p:sldIdLst>
   <p:sldSz cx="2879725" cy="5400675"/>
   <p:notesSz cx="6858000" cy="9144000"/>
@@ -153,1782 +154,1782 @@
           </c:marker>
           <c:yVal>
             <c:numRef>
-              <c:f>frequencies!$A$1:$ARV$1</c:f>
+              <c:f>'frequencies-v2'!$A$1:$ARV$1</c:f>
               <c:numCache>
                 <c:formatCode>General</c:formatCode>
                 <c:ptCount val="1166"/>
                 <c:pt idx="0">
-                  <c:v>807</c:v>
+                  <c:v>2329</c:v>
                 </c:pt>
                 <c:pt idx="1">
+                  <c:v>979</c:v>
+                </c:pt>
+                <c:pt idx="2">
+                  <c:v>850</c:v>
+                </c:pt>
+                <c:pt idx="3">
                   <c:v>693</c:v>
                 </c:pt>
-                <c:pt idx="2">
-                  <c:v>687</c:v>
-                </c:pt>
-                <c:pt idx="3">
-                  <c:v>683</c:v>
-                </c:pt>
                 <c:pt idx="4">
+                  <c:v>685</c:v>
+                </c:pt>
+                <c:pt idx="5">
+                  <c:v>642</c:v>
+                </c:pt>
+                <c:pt idx="6">
+                  <c:v>641</c:v>
+                </c:pt>
+                <c:pt idx="7">
+                  <c:v>576</c:v>
+                </c:pt>
+                <c:pt idx="8">
+                  <c:v>561</c:v>
+                </c:pt>
+                <c:pt idx="9">
+                  <c:v>542</c:v>
+                </c:pt>
+                <c:pt idx="10">
+                  <c:v>498</c:v>
+                </c:pt>
+                <c:pt idx="11">
+                  <c:v>496</c:v>
+                </c:pt>
+                <c:pt idx="12">
+                  <c:v>470</c:v>
+                </c:pt>
+                <c:pt idx="13">
                   <c:v>456</c:v>
                 </c:pt>
-                <c:pt idx="5">
+                <c:pt idx="14">
                   <c:v>455</c:v>
                 </c:pt>
-                <c:pt idx="6">
-                  <c:v>434</c:v>
-                </c:pt>
-                <c:pt idx="7">
-                  <c:v>433</c:v>
-                </c:pt>
-                <c:pt idx="8">
-                  <c:v>425</c:v>
-                </c:pt>
-                <c:pt idx="9">
-                  <c:v>413</c:v>
-                </c:pt>
-                <c:pt idx="10">
-                  <c:v>394</c:v>
-                </c:pt>
-                <c:pt idx="11">
+                <c:pt idx="15">
+                  <c:v>432</c:v>
+                </c:pt>
+                <c:pt idx="16">
+                  <c:v>418</c:v>
+                </c:pt>
+                <c:pt idx="17">
+                  <c:v>393</c:v>
+                </c:pt>
+                <c:pt idx="18">
                   <c:v>387</c:v>
                 </c:pt>
-                <c:pt idx="12">
-                  <c:v>375</c:v>
-                </c:pt>
-                <c:pt idx="13">
-                  <c:v>334</c:v>
-                </c:pt>
-                <c:pt idx="14">
-                  <c:v>310</c:v>
-                </c:pt>
-                <c:pt idx="15">
-                  <c:v>310</c:v>
-                </c:pt>
-                <c:pt idx="16">
+                <c:pt idx="19">
+                  <c:v>347</c:v>
+                </c:pt>
+                <c:pt idx="20">
+                  <c:v>324</c:v>
+                </c:pt>
+                <c:pt idx="21">
+                  <c:v>323</c:v>
+                </c:pt>
+                <c:pt idx="22">
+                  <c:v>322</c:v>
+                </c:pt>
+                <c:pt idx="23">
+                  <c:v>314</c:v>
+                </c:pt>
+                <c:pt idx="24">
+                  <c:v>313</c:v>
+                </c:pt>
+                <c:pt idx="25">
+                  <c:v>309</c:v>
+                </c:pt>
+                <c:pt idx="26">
+                  <c:v>307</c:v>
+                </c:pt>
+                <c:pt idx="27">
                   <c:v>299</c:v>
                 </c:pt>
-                <c:pt idx="17">
+                <c:pt idx="28">
+                  <c:v>292</c:v>
+                </c:pt>
+                <c:pt idx="29">
                   <c:v>290</c:v>
                 </c:pt>
-                <c:pt idx="18">
-                  <c:v>271</c:v>
-                </c:pt>
-                <c:pt idx="19">
+                <c:pt idx="30">
+                  <c:v>285</c:v>
+                </c:pt>
+                <c:pt idx="31">
+                  <c:v>277</c:v>
+                </c:pt>
+                <c:pt idx="32">
                   <c:v>270</c:v>
                 </c:pt>
-                <c:pt idx="20">
-                  <c:v>258</c:v>
-                </c:pt>
-                <c:pt idx="21">
-                  <c:v>237</c:v>
-                </c:pt>
-                <c:pt idx="22">
-                  <c:v>232</c:v>
-                </c:pt>
-                <c:pt idx="23">
+                <c:pt idx="33">
+                  <c:v>269</c:v>
+                </c:pt>
+                <c:pt idx="34">
+                  <c:v>264</c:v>
+                </c:pt>
+                <c:pt idx="35">
+                  <c:v>253</c:v>
+                </c:pt>
+                <c:pt idx="36">
+                  <c:v>247</c:v>
+                </c:pt>
+                <c:pt idx="37">
+                  <c:v>236</c:v>
+                </c:pt>
+                <c:pt idx="38">
+                  <c:v>234</c:v>
+                </c:pt>
+                <c:pt idx="39">
+                  <c:v>230</c:v>
+                </c:pt>
+                <c:pt idx="40">
                   <c:v>225</c:v>
                 </c:pt>
-                <c:pt idx="24">
+                <c:pt idx="41">
                   <c:v>223</c:v>
                 </c:pt>
-                <c:pt idx="25">
-                  <c:v>212</c:v>
-                </c:pt>
-                <c:pt idx="26">
+                <c:pt idx="42">
+                  <c:v>217</c:v>
+                </c:pt>
+                <c:pt idx="43">
+                  <c:v>216</c:v>
+                </c:pt>
+                <c:pt idx="44">
+                  <c:v>211</c:v>
+                </c:pt>
+                <c:pt idx="45">
                   <c:v>208</c:v>
                 </c:pt>
-                <c:pt idx="27">
-                  <c:v>206</c:v>
-                </c:pt>
-                <c:pt idx="28">
+                <c:pt idx="46">
+                  <c:v>204</c:v>
+                </c:pt>
+                <c:pt idx="47">
+                  <c:v>201</c:v>
+                </c:pt>
+                <c:pt idx="48">
+                  <c:v>195</c:v>
+                </c:pt>
+                <c:pt idx="49">
+                  <c:v>193</c:v>
+                </c:pt>
+                <c:pt idx="50">
                   <c:v>192</c:v>
                 </c:pt>
-                <c:pt idx="29">
+                <c:pt idx="51">
+                  <c:v>191</c:v>
+                </c:pt>
+                <c:pt idx="52">
+                  <c:v>190</c:v>
+                </c:pt>
+                <c:pt idx="53">
+                  <c:v>180</c:v>
+                </c:pt>
+                <c:pt idx="54">
                   <c:v>179</c:v>
                 </c:pt>
-                <c:pt idx="30">
-                  <c:v>167</c:v>
-                </c:pt>
-                <c:pt idx="31">
-                  <c:v>161</c:v>
-                </c:pt>
-                <c:pt idx="32">
+                <c:pt idx="55">
+                  <c:v>172</c:v>
+                </c:pt>
+                <c:pt idx="56">
+                  <c:v>172</c:v>
+                </c:pt>
+                <c:pt idx="57">
+                  <c:v>165</c:v>
+                </c:pt>
+                <c:pt idx="58">
+                  <c:v>164</c:v>
+                </c:pt>
+                <c:pt idx="59">
                   <c:v>158</c:v>
                 </c:pt>
-                <c:pt idx="33">
-                  <c:v>154</c:v>
-                </c:pt>
-                <c:pt idx="34">
-                  <c:v>153</c:v>
-                </c:pt>
-                <c:pt idx="35">
+                <c:pt idx="60">
+                  <c:v>158</c:v>
+                </c:pt>
+                <c:pt idx="61">
+                  <c:v>158</c:v>
+                </c:pt>
+                <c:pt idx="62">
+                  <c:v>152</c:v>
+                </c:pt>
+                <c:pt idx="63">
+                  <c:v>149</c:v>
+                </c:pt>
+                <c:pt idx="64">
+                  <c:v>149</c:v>
+                </c:pt>
+                <c:pt idx="65">
+                  <c:v>149</c:v>
+                </c:pt>
+                <c:pt idx="66">
                   <c:v>147</c:v>
                 </c:pt>
-                <c:pt idx="36">
-                  <c:v>145</c:v>
-                </c:pt>
-                <c:pt idx="37">
-                  <c:v>140</c:v>
-                </c:pt>
-                <c:pt idx="38">
+                <c:pt idx="67">
+                  <c:v>147</c:v>
+                </c:pt>
+                <c:pt idx="68">
+                  <c:v>147</c:v>
+                </c:pt>
+                <c:pt idx="69">
+                  <c:v>143</c:v>
+                </c:pt>
+                <c:pt idx="70">
+                  <c:v>143</c:v>
+                </c:pt>
+                <c:pt idx="71">
                   <c:v>138</c:v>
                 </c:pt>
-                <c:pt idx="39">
-                  <c:v>116</c:v>
-                </c:pt>
-                <c:pt idx="40">
-                  <c:v>113</c:v>
-                </c:pt>
-                <c:pt idx="41">
-                  <c:v>108</c:v>
-                </c:pt>
-                <c:pt idx="42">
-                  <c:v>99</c:v>
-                </c:pt>
-                <c:pt idx="43">
-                  <c:v>98</c:v>
-                </c:pt>
-                <c:pt idx="44">
+                <c:pt idx="72">
+                  <c:v>135</c:v>
+                </c:pt>
+                <c:pt idx="73">
+                  <c:v>132</c:v>
+                </c:pt>
+                <c:pt idx="74">
+                  <c:v>125</c:v>
+                </c:pt>
+                <c:pt idx="75">
+                  <c:v>122</c:v>
+                </c:pt>
+                <c:pt idx="76">
+                  <c:v>121</c:v>
+                </c:pt>
+                <c:pt idx="77">
+                  <c:v>119</c:v>
+                </c:pt>
+                <c:pt idx="78">
+                  <c:v>118</c:v>
+                </c:pt>
+                <c:pt idx="79">
+                  <c:v>117</c:v>
+                </c:pt>
+                <c:pt idx="80">
+                  <c:v>117</c:v>
+                </c:pt>
+                <c:pt idx="81">
+                  <c:v>114</c:v>
+                </c:pt>
+                <c:pt idx="82">
+                  <c:v>114</c:v>
+                </c:pt>
+                <c:pt idx="83">
+                  <c:v>112</c:v>
+                </c:pt>
+                <c:pt idx="84">
+                  <c:v>112</c:v>
+                </c:pt>
+                <c:pt idx="85">
+                  <c:v>101</c:v>
+                </c:pt>
+                <c:pt idx="86">
+                  <c:v>97</c:v>
+                </c:pt>
+                <c:pt idx="87">
+                  <c:v>96</c:v>
+                </c:pt>
+                <c:pt idx="88">
+                  <c:v>95</c:v>
+                </c:pt>
+                <c:pt idx="89">
                   <c:v>94</c:v>
                 </c:pt>
-                <c:pt idx="45">
-                  <c:v>91</c:v>
-                </c:pt>
-                <c:pt idx="46">
-                  <c:v>87</c:v>
-                </c:pt>
-                <c:pt idx="47">
-                  <c:v>85</c:v>
-                </c:pt>
-                <c:pt idx="48">
+                <c:pt idx="90">
+                  <c:v>93</c:v>
+                </c:pt>
+                <c:pt idx="91">
+                  <c:v>90</c:v>
+                </c:pt>
+                <c:pt idx="92">
+                  <c:v>86</c:v>
+                </c:pt>
+                <c:pt idx="93">
                   <c:v>84</c:v>
                 </c:pt>
-                <c:pt idx="49">
+                <c:pt idx="94">
                   <c:v>83</c:v>
                 </c:pt>
-                <c:pt idx="50">
+                <c:pt idx="95">
                   <c:v>82</c:v>
                 </c:pt>
-                <c:pt idx="51">
+                <c:pt idx="96">
+                  <c:v>80</c:v>
+                </c:pt>
+                <c:pt idx="97">
+                  <c:v>78</c:v>
+                </c:pt>
+                <c:pt idx="98">
                   <c:v>77</c:v>
                 </c:pt>
-                <c:pt idx="52">
-                  <c:v>76</c:v>
-                </c:pt>
-                <c:pt idx="53">
-                  <c:v>70</c:v>
-                </c:pt>
-                <c:pt idx="54">
+                <c:pt idx="99">
+                  <c:v>77</c:v>
+                </c:pt>
+                <c:pt idx="100">
                   <c:v>68</c:v>
                 </c:pt>
-                <c:pt idx="55">
-                  <c:v>68</c:v>
-                </c:pt>
-                <c:pt idx="56">
+                <c:pt idx="101">
+                  <c:v>66</c:v>
+                </c:pt>
+                <c:pt idx="102">
+                  <c:v>66</c:v>
+                </c:pt>
+                <c:pt idx="103">
                   <c:v>65</c:v>
                 </c:pt>
-                <c:pt idx="57">
+                <c:pt idx="104">
+                  <c:v>65</c:v>
+                </c:pt>
+                <c:pt idx="105">
+                  <c:v>64</c:v>
+                </c:pt>
+                <c:pt idx="106">
+                  <c:v>63</c:v>
+                </c:pt>
+                <c:pt idx="107">
                   <c:v>62</c:v>
                 </c:pt>
-                <c:pt idx="58">
-                  <c:v>62</c:v>
-                </c:pt>
-                <c:pt idx="59">
+                <c:pt idx="108">
                   <c:v>61</c:v>
                 </c:pt>
-                <c:pt idx="60">
+                <c:pt idx="109">
                   <c:v>59</c:v>
                 </c:pt>
-                <c:pt idx="61">
+                <c:pt idx="110">
+                  <c:v>59</c:v>
+                </c:pt>
+                <c:pt idx="111">
                   <c:v>58</c:v>
                 </c:pt>
-                <c:pt idx="62">
+                <c:pt idx="112">
                   <c:v>57</c:v>
                 </c:pt>
-                <c:pt idx="63">
+                <c:pt idx="113">
                   <c:v>56</c:v>
                 </c:pt>
-                <c:pt idx="64">
+                <c:pt idx="114">
                   <c:v>56</c:v>
                 </c:pt>
-                <c:pt idx="65">
+                <c:pt idx="115">
+                  <c:v>56</c:v>
+                </c:pt>
+                <c:pt idx="116">
+                  <c:v>55</c:v>
+                </c:pt>
+                <c:pt idx="117">
                   <c:v>54</c:v>
                 </c:pt>
-                <c:pt idx="66">
+                <c:pt idx="118">
+                  <c:v>53</c:v>
+                </c:pt>
+                <c:pt idx="119">
+                  <c:v>53</c:v>
+                </c:pt>
+                <c:pt idx="120">
                   <c:v>52</c:v>
                 </c:pt>
-                <c:pt idx="67">
+                <c:pt idx="121">
+                  <c:v>52</c:v>
+                </c:pt>
+                <c:pt idx="122">
                   <c:v>51</c:v>
                 </c:pt>
-                <c:pt idx="68">
+                <c:pt idx="123">
                   <c:v>51</c:v>
                 </c:pt>
-                <c:pt idx="69">
+                <c:pt idx="124">
+                  <c:v>51</c:v>
+                </c:pt>
+                <c:pt idx="125">
                   <c:v>50</c:v>
                 </c:pt>
-                <c:pt idx="70">
+                <c:pt idx="126">
                   <c:v>50</c:v>
                 </c:pt>
-                <c:pt idx="71">
-                  <c:v>49</c:v>
-                </c:pt>
-                <c:pt idx="72">
-                  <c:v>48</c:v>
-                </c:pt>
-                <c:pt idx="73">
+                <c:pt idx="127">
+                  <c:v>50</c:v>
+                </c:pt>
+                <c:pt idx="128">
                   <c:v>47</c:v>
                 </c:pt>
-                <c:pt idx="74">
+                <c:pt idx="129">
+                  <c:v>47</c:v>
+                </c:pt>
+                <c:pt idx="130">
                   <c:v>46</c:v>
                 </c:pt>
-                <c:pt idx="75">
+                <c:pt idx="131">
                   <c:v>46</c:v>
                 </c:pt>
-                <c:pt idx="76">
-                  <c:v>46</c:v>
-                </c:pt>
-                <c:pt idx="77">
+                <c:pt idx="132">
                   <c:v>45</c:v>
                 </c:pt>
-                <c:pt idx="78">
+                <c:pt idx="133">
                   <c:v>44</c:v>
                 </c:pt>
-                <c:pt idx="79">
+                <c:pt idx="134">
                   <c:v>42</c:v>
                 </c:pt>
-                <c:pt idx="80">
+                <c:pt idx="135">
                   <c:v>41</c:v>
                 </c:pt>
-                <c:pt idx="81">
+                <c:pt idx="136">
                   <c:v>40</c:v>
                 </c:pt>
-                <c:pt idx="82">
+                <c:pt idx="137">
+                  <c:v>40</c:v>
+                </c:pt>
+                <c:pt idx="138">
+                  <c:v>40</c:v>
+                </c:pt>
+                <c:pt idx="139">
                   <c:v>39</c:v>
                 </c:pt>
-                <c:pt idx="83">
+                <c:pt idx="140">
                   <c:v>39</c:v>
                 </c:pt>
-                <c:pt idx="84">
+                <c:pt idx="141">
+                  <c:v>39</c:v>
+                </c:pt>
+                <c:pt idx="142">
+                  <c:v>39</c:v>
+                </c:pt>
+                <c:pt idx="143">
                   <c:v>38</c:v>
                 </c:pt>
-                <c:pt idx="85">
+                <c:pt idx="144">
                   <c:v>38</c:v>
                 </c:pt>
-                <c:pt idx="86">
+                <c:pt idx="145">
+                  <c:v>38</c:v>
+                </c:pt>
+                <c:pt idx="146">
                   <c:v>37</c:v>
                 </c:pt>
-                <c:pt idx="87">
-                  <c:v>37</c:v>
-                </c:pt>
-                <c:pt idx="88">
+                <c:pt idx="147">
                   <c:v>36</c:v>
                 </c:pt>
-                <c:pt idx="89">
+                <c:pt idx="148">
                   <c:v>36</c:v>
                 </c:pt>
-                <c:pt idx="90">
+                <c:pt idx="149">
                   <c:v>35</c:v>
                 </c:pt>
-                <c:pt idx="91">
+                <c:pt idx="150">
+                  <c:v>35</c:v>
+                </c:pt>
+                <c:pt idx="151">
                   <c:v>34</c:v>
                 </c:pt>
-                <c:pt idx="92">
+                <c:pt idx="152">
+                  <c:v>34</c:v>
+                </c:pt>
+                <c:pt idx="153">
+                  <c:v>34</c:v>
+                </c:pt>
+                <c:pt idx="154">
                   <c:v>33</c:v>
                 </c:pt>
-                <c:pt idx="93">
+                <c:pt idx="155">
                   <c:v>32</c:v>
                 </c:pt>
-                <c:pt idx="94">
+                <c:pt idx="156">
+                  <c:v>32</c:v>
+                </c:pt>
+                <c:pt idx="157">
                   <c:v>31</c:v>
                 </c:pt>
-                <c:pt idx="95">
+                <c:pt idx="158">
                   <c:v>30</c:v>
                 </c:pt>
-                <c:pt idx="96">
+                <c:pt idx="159">
                   <c:v>30</c:v>
                 </c:pt>
-                <c:pt idx="97">
+                <c:pt idx="160">
+                  <c:v>30</c:v>
+                </c:pt>
+                <c:pt idx="161">
                   <c:v>29</c:v>
                 </c:pt>
-                <c:pt idx="98">
+                <c:pt idx="162">
                   <c:v>29</c:v>
                 </c:pt>
-                <c:pt idx="99">
+                <c:pt idx="163">
+                  <c:v>29</c:v>
+                </c:pt>
+                <c:pt idx="164">
                   <c:v>28</c:v>
                 </c:pt>
-                <c:pt idx="100">
+                <c:pt idx="165">
+                  <c:v>28</c:v>
+                </c:pt>
+                <c:pt idx="166">
                   <c:v>27</c:v>
                 </c:pt>
-                <c:pt idx="101">
+                <c:pt idx="167">
                   <c:v>27</c:v>
                 </c:pt>
-                <c:pt idx="102">
+                <c:pt idx="168">
                   <c:v>27</c:v>
                 </c:pt>
-                <c:pt idx="103">
+                <c:pt idx="169">
                   <c:v>26</c:v>
                 </c:pt>
-                <c:pt idx="104">
+                <c:pt idx="170">
                   <c:v>26</c:v>
                 </c:pt>
-                <c:pt idx="105">
+                <c:pt idx="171">
                   <c:v>26</c:v>
                 </c:pt>
-                <c:pt idx="106">
-                  <c:v>26</c:v>
-                </c:pt>
-                <c:pt idx="107">
+                <c:pt idx="172">
                   <c:v>25</c:v>
                 </c:pt>
-                <c:pt idx="108">
-                  <c:v>24</c:v>
-                </c:pt>
-                <c:pt idx="109">
-                  <c:v>24</c:v>
-                </c:pt>
-                <c:pt idx="110">
+                <c:pt idx="173">
+                  <c:v>25</c:v>
+                </c:pt>
+                <c:pt idx="174">
+                  <c:v>23</c:v>
+                </c:pt>
+                <c:pt idx="175">
                   <c:v>22</c:v>
                 </c:pt>
-                <c:pt idx="111">
+                <c:pt idx="176">
                   <c:v>22</c:v>
                 </c:pt>
-                <c:pt idx="112">
+                <c:pt idx="177">
                   <c:v>22</c:v>
                 </c:pt>
-                <c:pt idx="113">
+                <c:pt idx="178">
+                  <c:v>22</c:v>
+                </c:pt>
+                <c:pt idx="179">
+                  <c:v>22</c:v>
+                </c:pt>
+                <c:pt idx="180">
+                  <c:v>22</c:v>
+                </c:pt>
+                <c:pt idx="181">
                   <c:v>21</c:v>
                 </c:pt>
-                <c:pt idx="114">
+                <c:pt idx="182">
                   <c:v>21</c:v>
                 </c:pt>
-                <c:pt idx="115">
+                <c:pt idx="183">
                   <c:v>21</c:v>
                 </c:pt>
-                <c:pt idx="116">
+                <c:pt idx="184">
                   <c:v>21</c:v>
                 </c:pt>
-                <c:pt idx="117">
+                <c:pt idx="185">
+                  <c:v>21</c:v>
+                </c:pt>
+                <c:pt idx="186">
                   <c:v>20</c:v>
                 </c:pt>
-                <c:pt idx="118">
+                <c:pt idx="187">
+                  <c:v>20</c:v>
+                </c:pt>
+                <c:pt idx="188">
                   <c:v>19</c:v>
                 </c:pt>
-                <c:pt idx="119">
+                <c:pt idx="189">
+                  <c:v>19</c:v>
+                </c:pt>
+                <c:pt idx="190">
+                  <c:v>19</c:v>
+                </c:pt>
+                <c:pt idx="191">
+                  <c:v>19</c:v>
+                </c:pt>
+                <c:pt idx="192">
                   <c:v>18</c:v>
                 </c:pt>
-                <c:pt idx="120">
+                <c:pt idx="193">
                   <c:v>18</c:v>
                 </c:pt>
-                <c:pt idx="121">
+                <c:pt idx="194">
+                  <c:v>18</c:v>
+                </c:pt>
+                <c:pt idx="195">
+                  <c:v>18</c:v>
+                </c:pt>
+                <c:pt idx="196">
+                  <c:v>18</c:v>
+                </c:pt>
+                <c:pt idx="197">
+                  <c:v>18</c:v>
+                </c:pt>
+                <c:pt idx="198">
+                  <c:v>18</c:v>
+                </c:pt>
+                <c:pt idx="199">
                   <c:v>17</c:v>
                 </c:pt>
-                <c:pt idx="122">
+                <c:pt idx="200">
                   <c:v>17</c:v>
                 </c:pt>
-                <c:pt idx="123">
+                <c:pt idx="201">
                   <c:v>17</c:v>
                 </c:pt>
-                <c:pt idx="124">
+                <c:pt idx="202">
+                  <c:v>17</c:v>
+                </c:pt>
+                <c:pt idx="203">
+                  <c:v>17</c:v>
+                </c:pt>
+                <c:pt idx="204">
+                  <c:v>17</c:v>
+                </c:pt>
+                <c:pt idx="205">
                   <c:v>16</c:v>
                 </c:pt>
-                <c:pt idx="125">
+                <c:pt idx="206">
+                  <c:v>16</c:v>
+                </c:pt>
+                <c:pt idx="207">
                   <c:v>15</c:v>
                 </c:pt>
-                <c:pt idx="126">
+                <c:pt idx="208">
                   <c:v>15</c:v>
                 </c:pt>
-                <c:pt idx="127">
+                <c:pt idx="209">
                   <c:v>15</c:v>
                 </c:pt>
-                <c:pt idx="128">
+                <c:pt idx="210">
                   <c:v>15</c:v>
                 </c:pt>
-                <c:pt idx="129">
+                <c:pt idx="211">
                   <c:v>15</c:v>
                 </c:pt>
-                <c:pt idx="130">
+                <c:pt idx="212">
                   <c:v>15</c:v>
                 </c:pt>
-                <c:pt idx="131">
+                <c:pt idx="213">
                   <c:v>15</c:v>
                 </c:pt>
-                <c:pt idx="132">
+                <c:pt idx="214">
                   <c:v>15</c:v>
                 </c:pt>
-                <c:pt idx="133">
+                <c:pt idx="215">
+                  <c:v>15</c:v>
+                </c:pt>
+                <c:pt idx="216">
+                  <c:v>15</c:v>
+                </c:pt>
+                <c:pt idx="217">
                   <c:v>14</c:v>
                 </c:pt>
-                <c:pt idx="134">
+                <c:pt idx="218">
                   <c:v>13</c:v>
                 </c:pt>
-                <c:pt idx="135">
+                <c:pt idx="219">
                   <c:v>13</c:v>
                 </c:pt>
-                <c:pt idx="136">
+                <c:pt idx="220">
                   <c:v>13</c:v>
                 </c:pt>
-                <c:pt idx="137">
+                <c:pt idx="221">
                   <c:v>13</c:v>
                 </c:pt>
-                <c:pt idx="138">
+                <c:pt idx="222">
                   <c:v>13</c:v>
                 </c:pt>
-                <c:pt idx="139">
+                <c:pt idx="223">
                   <c:v>13</c:v>
                 </c:pt>
-                <c:pt idx="140">
+                <c:pt idx="224">
                   <c:v>12</c:v>
                 </c:pt>
-                <c:pt idx="141">
+                <c:pt idx="225">
                   <c:v>12</c:v>
                 </c:pt>
-                <c:pt idx="142">
+                <c:pt idx="226">
                   <c:v>12</c:v>
                 </c:pt>
-                <c:pt idx="143">
+                <c:pt idx="227">
                   <c:v>12</c:v>
                 </c:pt>
-                <c:pt idx="144">
+                <c:pt idx="228">
                   <c:v>11</c:v>
                 </c:pt>
-                <c:pt idx="145">
+                <c:pt idx="229">
                   <c:v>11</c:v>
                 </c:pt>
-                <c:pt idx="146">
+                <c:pt idx="230">
                   <c:v>11</c:v>
                 </c:pt>
-                <c:pt idx="147">
+                <c:pt idx="231">
                   <c:v>11</c:v>
                 </c:pt>
-                <c:pt idx="148">
+                <c:pt idx="232">
+                  <c:v>11</c:v>
+                </c:pt>
+                <c:pt idx="233">
                   <c:v>10</c:v>
                 </c:pt>
-                <c:pt idx="149">
+                <c:pt idx="234">
+                  <c:v>10</c:v>
+                </c:pt>
+                <c:pt idx="235">
+                  <c:v>10</c:v>
+                </c:pt>
+                <c:pt idx="236">
+                  <c:v>10</c:v>
+                </c:pt>
+                <c:pt idx="237">
+                  <c:v>10</c:v>
+                </c:pt>
+                <c:pt idx="238">
                   <c:v>9</c:v>
                 </c:pt>
-                <c:pt idx="150">
+                <c:pt idx="239">
                   <c:v>9</c:v>
                 </c:pt>
-                <c:pt idx="151">
+                <c:pt idx="240">
                   <c:v>9</c:v>
                 </c:pt>
-                <c:pt idx="152">
+                <c:pt idx="241">
                   <c:v>9</c:v>
                 </c:pt>
-                <c:pt idx="153">
+                <c:pt idx="242">
                   <c:v>9</c:v>
                 </c:pt>
-                <c:pt idx="154">
+                <c:pt idx="243">
                   <c:v>9</c:v>
                 </c:pt>
-                <c:pt idx="155">
+                <c:pt idx="244">
                   <c:v>9</c:v>
                 </c:pt>
-                <c:pt idx="156">
+                <c:pt idx="245">
+                  <c:v>9</c:v>
+                </c:pt>
+                <c:pt idx="246">
+                  <c:v>9</c:v>
+                </c:pt>
+                <c:pt idx="247">
+                  <c:v>9</c:v>
+                </c:pt>
+                <c:pt idx="248">
+                  <c:v>9</c:v>
+                </c:pt>
+                <c:pt idx="249">
+                  <c:v>9</c:v>
+                </c:pt>
+                <c:pt idx="250">
+                  <c:v>9</c:v>
+                </c:pt>
+                <c:pt idx="251">
                   <c:v>8</c:v>
                 </c:pt>
-                <c:pt idx="157">
+                <c:pt idx="252">
                   <c:v>8</c:v>
                 </c:pt>
-                <c:pt idx="158">
+                <c:pt idx="253">
                   <c:v>8</c:v>
                 </c:pt>
-                <c:pt idx="159">
+                <c:pt idx="254">
                   <c:v>8</c:v>
                 </c:pt>
-                <c:pt idx="160">
+                <c:pt idx="255">
                   <c:v>8</c:v>
                 </c:pt>
-                <c:pt idx="161">
+                <c:pt idx="256">
                   <c:v>8</c:v>
                 </c:pt>
-                <c:pt idx="162">
+                <c:pt idx="257">
                   <c:v>8</c:v>
                 </c:pt>
-                <c:pt idx="163">
+                <c:pt idx="258">
                   <c:v>8</c:v>
                 </c:pt>
-                <c:pt idx="164">
+                <c:pt idx="259">
                   <c:v>8</c:v>
                 </c:pt>
-                <c:pt idx="165">
+                <c:pt idx="260">
                   <c:v>8</c:v>
                 </c:pt>
-                <c:pt idx="166">
+                <c:pt idx="261">
                   <c:v>8</c:v>
                 </c:pt>
-                <c:pt idx="167">
+                <c:pt idx="262">
                   <c:v>8</c:v>
                 </c:pt>
-                <c:pt idx="168">
+                <c:pt idx="263">
                   <c:v>7</c:v>
                 </c:pt>
-                <c:pt idx="169">
+                <c:pt idx="264">
                   <c:v>7</c:v>
                 </c:pt>
-                <c:pt idx="170">
+                <c:pt idx="265">
                   <c:v>7</c:v>
                 </c:pt>
-                <c:pt idx="171">
+                <c:pt idx="266">
                   <c:v>7</c:v>
                 </c:pt>
-                <c:pt idx="172">
+                <c:pt idx="267">
                   <c:v>7</c:v>
                 </c:pt>
-                <c:pt idx="173">
+                <c:pt idx="268">
                   <c:v>7</c:v>
                 </c:pt>
-                <c:pt idx="174">
+                <c:pt idx="269">
                   <c:v>7</c:v>
                 </c:pt>
-                <c:pt idx="175">
+                <c:pt idx="270">
                   <c:v>7</c:v>
                 </c:pt>
-                <c:pt idx="176">
+                <c:pt idx="271">
                   <c:v>7</c:v>
                 </c:pt>
-                <c:pt idx="177">
+                <c:pt idx="272">
                   <c:v>7</c:v>
                 </c:pt>
-                <c:pt idx="178">
+                <c:pt idx="273">
                   <c:v>7</c:v>
                 </c:pt>
-                <c:pt idx="179">
+                <c:pt idx="274">
                   <c:v>7</c:v>
                 </c:pt>
-                <c:pt idx="180">
+                <c:pt idx="275">
                   <c:v>7</c:v>
                 </c:pt>
-                <c:pt idx="181">
+                <c:pt idx="276">
+                  <c:v>7</c:v>
+                </c:pt>
+                <c:pt idx="277">
+                  <c:v>7</c:v>
+                </c:pt>
+                <c:pt idx="278">
+                  <c:v>7</c:v>
+                </c:pt>
+                <c:pt idx="279">
                   <c:v>6</c:v>
                 </c:pt>
-                <c:pt idx="182">
+                <c:pt idx="280">
                   <c:v>6</c:v>
                 </c:pt>
-                <c:pt idx="183">
+                <c:pt idx="281">
                   <c:v>6</c:v>
                 </c:pt>
-                <c:pt idx="184">
+                <c:pt idx="282">
                   <c:v>6</c:v>
                 </c:pt>
-                <c:pt idx="185">
+                <c:pt idx="283">
                   <c:v>6</c:v>
                 </c:pt>
-                <c:pt idx="186">
+                <c:pt idx="284">
                   <c:v>6</c:v>
                 </c:pt>
-                <c:pt idx="187">
+                <c:pt idx="285">
                   <c:v>6</c:v>
                 </c:pt>
-                <c:pt idx="188">
+                <c:pt idx="286">
                   <c:v>6</c:v>
                 </c:pt>
-                <c:pt idx="189">
+                <c:pt idx="287">
                   <c:v>6</c:v>
                 </c:pt>
-                <c:pt idx="190">
+                <c:pt idx="288">
                   <c:v>6</c:v>
                 </c:pt>
-                <c:pt idx="191">
+                <c:pt idx="289">
                   <c:v>6</c:v>
                 </c:pt>
-                <c:pt idx="192">
+                <c:pt idx="290">
                   <c:v>6</c:v>
                 </c:pt>
-                <c:pt idx="193">
+                <c:pt idx="291">
                   <c:v>6</c:v>
                 </c:pt>
-                <c:pt idx="194">
+                <c:pt idx="292">
                   <c:v>6</c:v>
                 </c:pt>
-                <c:pt idx="195">
+                <c:pt idx="293">
                   <c:v>6</c:v>
                 </c:pt>
-                <c:pt idx="196">
+                <c:pt idx="294">
                   <c:v>6</c:v>
                 </c:pt>
-                <c:pt idx="197">
+                <c:pt idx="295">
                   <c:v>6</c:v>
                 </c:pt>
-                <c:pt idx="198">
+                <c:pt idx="296">
+                  <c:v>6</c:v>
+                </c:pt>
+                <c:pt idx="297">
+                  <c:v>6</c:v>
+                </c:pt>
+                <c:pt idx="298">
+                  <c:v>6</c:v>
+                </c:pt>
+                <c:pt idx="299">
                   <c:v>5</c:v>
                 </c:pt>
-                <c:pt idx="199">
+                <c:pt idx="300">
                   <c:v>5</c:v>
                 </c:pt>
-                <c:pt idx="200">
+                <c:pt idx="301">
                   <c:v>5</c:v>
                 </c:pt>
-                <c:pt idx="201">
+                <c:pt idx="302">
                   <c:v>5</c:v>
                 </c:pt>
-                <c:pt idx="202">
+                <c:pt idx="303">
                   <c:v>5</c:v>
                 </c:pt>
-                <c:pt idx="203">
+                <c:pt idx="304">
                   <c:v>5</c:v>
                 </c:pt>
-                <c:pt idx="204">
+                <c:pt idx="305">
                   <c:v>5</c:v>
                 </c:pt>
-                <c:pt idx="205">
+                <c:pt idx="306">
                   <c:v>5</c:v>
                 </c:pt>
-                <c:pt idx="206">
+                <c:pt idx="307">
                   <c:v>5</c:v>
                 </c:pt>
-                <c:pt idx="207">
+                <c:pt idx="308">
                   <c:v>5</c:v>
                 </c:pt>
-                <c:pt idx="208">
+                <c:pt idx="309">
                   <c:v>5</c:v>
                 </c:pt>
-                <c:pt idx="209">
+                <c:pt idx="310">
                   <c:v>5</c:v>
                 </c:pt>
-                <c:pt idx="210">
+                <c:pt idx="311">
                   <c:v>5</c:v>
                 </c:pt>
-                <c:pt idx="211">
+                <c:pt idx="312">
                   <c:v>5</c:v>
                 </c:pt>
-                <c:pt idx="212">
+                <c:pt idx="313">
                   <c:v>5</c:v>
                 </c:pt>
-                <c:pt idx="213">
+                <c:pt idx="314">
                   <c:v>5</c:v>
                 </c:pt>
-                <c:pt idx="214">
+                <c:pt idx="315">
                   <c:v>5</c:v>
                 </c:pt>
-                <c:pt idx="215">
+                <c:pt idx="316">
                   <c:v>5</c:v>
                 </c:pt>
-                <c:pt idx="216">
+                <c:pt idx="317">
+                  <c:v>5</c:v>
+                </c:pt>
+                <c:pt idx="318">
+                  <c:v>5</c:v>
+                </c:pt>
+                <c:pt idx="319">
+                  <c:v>5</c:v>
+                </c:pt>
+                <c:pt idx="320">
+                  <c:v>5</c:v>
+                </c:pt>
+                <c:pt idx="321">
+                  <c:v>5</c:v>
+                </c:pt>
+                <c:pt idx="322">
+                  <c:v>5</c:v>
+                </c:pt>
+                <c:pt idx="323">
+                  <c:v>5</c:v>
+                </c:pt>
+                <c:pt idx="324">
+                  <c:v>5</c:v>
+                </c:pt>
+                <c:pt idx="325">
+                  <c:v>5</c:v>
+                </c:pt>
+                <c:pt idx="326">
+                  <c:v>5</c:v>
+                </c:pt>
+                <c:pt idx="327">
+                  <c:v>5</c:v>
+                </c:pt>
+                <c:pt idx="328">
+                  <c:v>5</c:v>
+                </c:pt>
+                <c:pt idx="329">
                   <c:v>4</c:v>
                 </c:pt>
-                <c:pt idx="217">
+                <c:pt idx="330">
                   <c:v>4</c:v>
                 </c:pt>
-                <c:pt idx="218">
+                <c:pt idx="331">
                   <c:v>4</c:v>
                 </c:pt>
-                <c:pt idx="219">
+                <c:pt idx="332">
                   <c:v>4</c:v>
                 </c:pt>
-                <c:pt idx="220">
+                <c:pt idx="333">
                   <c:v>4</c:v>
                 </c:pt>
-                <c:pt idx="221">
+                <c:pt idx="334">
                   <c:v>4</c:v>
                 </c:pt>
-                <c:pt idx="222">
+                <c:pt idx="335">
                   <c:v>4</c:v>
                 </c:pt>
-                <c:pt idx="223">
+                <c:pt idx="336">
                   <c:v>4</c:v>
                 </c:pt>
-                <c:pt idx="224">
+                <c:pt idx="337">
                   <c:v>4</c:v>
                 </c:pt>
-                <c:pt idx="225">
+                <c:pt idx="338">
                   <c:v>4</c:v>
                 </c:pt>
-                <c:pt idx="226">
+                <c:pt idx="339">
                   <c:v>4</c:v>
                 </c:pt>
-                <c:pt idx="227">
+                <c:pt idx="340">
                   <c:v>4</c:v>
                 </c:pt>
-                <c:pt idx="228">
+                <c:pt idx="341">
                   <c:v>4</c:v>
                 </c:pt>
-                <c:pt idx="229">
+                <c:pt idx="342">
                   <c:v>4</c:v>
                 </c:pt>
-                <c:pt idx="230">
+                <c:pt idx="343">
                   <c:v>4</c:v>
                 </c:pt>
-                <c:pt idx="231">
+                <c:pt idx="344">
                   <c:v>4</c:v>
                 </c:pt>
-                <c:pt idx="232">
+                <c:pt idx="345">
                   <c:v>4</c:v>
                 </c:pt>
-                <c:pt idx="233">
+                <c:pt idx="346">
                   <c:v>4</c:v>
                 </c:pt>
-                <c:pt idx="234">
+                <c:pt idx="347">
                   <c:v>4</c:v>
                 </c:pt>
-                <c:pt idx="235">
+                <c:pt idx="348">
                   <c:v>4</c:v>
                 </c:pt>
-                <c:pt idx="236">
+                <c:pt idx="349">
                   <c:v>4</c:v>
                 </c:pt>
-                <c:pt idx="237">
+                <c:pt idx="350">
                   <c:v>4</c:v>
                 </c:pt>
-                <c:pt idx="238">
+                <c:pt idx="351">
                   <c:v>4</c:v>
                 </c:pt>
-                <c:pt idx="239">
+                <c:pt idx="352">
                   <c:v>4</c:v>
                 </c:pt>
-                <c:pt idx="240">
+                <c:pt idx="353">
                   <c:v>4</c:v>
                 </c:pt>
-                <c:pt idx="241">
+                <c:pt idx="354">
                   <c:v>4</c:v>
                 </c:pt>
-                <c:pt idx="242">
+                <c:pt idx="355">
                   <c:v>4</c:v>
                 </c:pt>
-                <c:pt idx="243">
+                <c:pt idx="356">
                   <c:v>4</c:v>
                 </c:pt>
-                <c:pt idx="244">
+                <c:pt idx="357">
                   <c:v>4</c:v>
                 </c:pt>
-                <c:pt idx="245">
+                <c:pt idx="358">
                   <c:v>4</c:v>
                 </c:pt>
-                <c:pt idx="246">
+                <c:pt idx="359">
                   <c:v>4</c:v>
                 </c:pt>
-                <c:pt idx="247">
-                  <c:v>3</c:v>
-                </c:pt>
-                <c:pt idx="248">
-                  <c:v>3</c:v>
-                </c:pt>
-                <c:pt idx="249">
-                  <c:v>3</c:v>
-                </c:pt>
-                <c:pt idx="250">
-                  <c:v>3</c:v>
-                </c:pt>
-                <c:pt idx="251">
-                  <c:v>3</c:v>
-                </c:pt>
-                <c:pt idx="252">
-                  <c:v>3</c:v>
-                </c:pt>
-                <c:pt idx="253">
-                  <c:v>3</c:v>
-                </c:pt>
-                <c:pt idx="254">
-                  <c:v>3</c:v>
-                </c:pt>
-                <c:pt idx="255">
-                  <c:v>3</c:v>
-                </c:pt>
-                <c:pt idx="256">
-                  <c:v>3</c:v>
-                </c:pt>
-                <c:pt idx="257">
-                  <c:v>3</c:v>
-                </c:pt>
-                <c:pt idx="258">
-                  <c:v>3</c:v>
-                </c:pt>
-                <c:pt idx="259">
-                  <c:v>3</c:v>
-                </c:pt>
-                <c:pt idx="260">
-                  <c:v>3</c:v>
-                </c:pt>
-                <c:pt idx="261">
-                  <c:v>3</c:v>
-                </c:pt>
-                <c:pt idx="262">
-                  <c:v>3</c:v>
-                </c:pt>
-                <c:pt idx="263">
-                  <c:v>3</c:v>
-                </c:pt>
-                <c:pt idx="264">
-                  <c:v>3</c:v>
-                </c:pt>
-                <c:pt idx="265">
-                  <c:v>3</c:v>
-                </c:pt>
-                <c:pt idx="266">
-                  <c:v>3</c:v>
-                </c:pt>
-                <c:pt idx="267">
-                  <c:v>3</c:v>
-                </c:pt>
-                <c:pt idx="268">
-                  <c:v>3</c:v>
-                </c:pt>
-                <c:pt idx="269">
-                  <c:v>3</c:v>
-                </c:pt>
-                <c:pt idx="270">
-                  <c:v>3</c:v>
-                </c:pt>
-                <c:pt idx="271">
-                  <c:v>3</c:v>
-                </c:pt>
-                <c:pt idx="272">
-                  <c:v>3</c:v>
-                </c:pt>
-                <c:pt idx="273">
-                  <c:v>3</c:v>
-                </c:pt>
-                <c:pt idx="274">
-                  <c:v>3</c:v>
-                </c:pt>
-                <c:pt idx="275">
-                  <c:v>3</c:v>
-                </c:pt>
-                <c:pt idx="276">
-                  <c:v>3</c:v>
-                </c:pt>
-                <c:pt idx="277">
-                  <c:v>3</c:v>
-                </c:pt>
-                <c:pt idx="278">
-                  <c:v>3</c:v>
-                </c:pt>
-                <c:pt idx="279">
-                  <c:v>3</c:v>
-                </c:pt>
-                <c:pt idx="280">
-                  <c:v>3</c:v>
-                </c:pt>
-                <c:pt idx="281">
-                  <c:v>3</c:v>
-                </c:pt>
-                <c:pt idx="282">
-                  <c:v>3</c:v>
-                </c:pt>
-                <c:pt idx="283">
-                  <c:v>3</c:v>
-                </c:pt>
-                <c:pt idx="284">
-                  <c:v>3</c:v>
-                </c:pt>
-                <c:pt idx="285">
-                  <c:v>3</c:v>
-                </c:pt>
-                <c:pt idx="286">
-                  <c:v>3</c:v>
-                </c:pt>
-                <c:pt idx="287">
-                  <c:v>3</c:v>
-                </c:pt>
-                <c:pt idx="288">
-                  <c:v>3</c:v>
-                </c:pt>
-                <c:pt idx="289">
-                  <c:v>3</c:v>
-                </c:pt>
-                <c:pt idx="290">
-                  <c:v>3</c:v>
-                </c:pt>
-                <c:pt idx="291">
-                  <c:v>3</c:v>
-                </c:pt>
-                <c:pt idx="292">
-                  <c:v>3</c:v>
-                </c:pt>
-                <c:pt idx="293">
-                  <c:v>3</c:v>
-                </c:pt>
-                <c:pt idx="294">
-                  <c:v>3</c:v>
-                </c:pt>
-                <c:pt idx="295">
-                  <c:v>3</c:v>
-                </c:pt>
-                <c:pt idx="296">
-                  <c:v>3</c:v>
-                </c:pt>
-                <c:pt idx="297">
-                  <c:v>3</c:v>
-                </c:pt>
-                <c:pt idx="298">
-                  <c:v>3</c:v>
-                </c:pt>
-                <c:pt idx="299">
-                  <c:v>3</c:v>
-                </c:pt>
-                <c:pt idx="300">
-                  <c:v>3</c:v>
-                </c:pt>
-                <c:pt idx="301">
-                  <c:v>3</c:v>
-                </c:pt>
-                <c:pt idx="302">
-                  <c:v>3</c:v>
-                </c:pt>
-                <c:pt idx="303">
-                  <c:v>3</c:v>
-                </c:pt>
-                <c:pt idx="304">
-                  <c:v>3</c:v>
-                </c:pt>
-                <c:pt idx="305">
-                  <c:v>3</c:v>
-                </c:pt>
-                <c:pt idx="306">
-                  <c:v>3</c:v>
-                </c:pt>
-                <c:pt idx="307">
-                  <c:v>3</c:v>
-                </c:pt>
-                <c:pt idx="308">
-                  <c:v>3</c:v>
-                </c:pt>
-                <c:pt idx="309">
-                  <c:v>3</c:v>
-                </c:pt>
-                <c:pt idx="310">
-                  <c:v>3</c:v>
-                </c:pt>
-                <c:pt idx="311">
-                  <c:v>3</c:v>
-                </c:pt>
-                <c:pt idx="312">
-                  <c:v>3</c:v>
-                </c:pt>
-                <c:pt idx="313">
-                  <c:v>3</c:v>
-                </c:pt>
-                <c:pt idx="314">
-                  <c:v>3</c:v>
-                </c:pt>
-                <c:pt idx="315">
-                  <c:v>3</c:v>
-                </c:pt>
-                <c:pt idx="316">
-                  <c:v>3</c:v>
-                </c:pt>
-                <c:pt idx="317">
-                  <c:v>3</c:v>
-                </c:pt>
-                <c:pt idx="318">
-                  <c:v>3</c:v>
-                </c:pt>
-                <c:pt idx="319">
-                  <c:v>3</c:v>
-                </c:pt>
-                <c:pt idx="320">
-                  <c:v>2</c:v>
-                </c:pt>
-                <c:pt idx="321">
-                  <c:v>2</c:v>
-                </c:pt>
-                <c:pt idx="322">
-                  <c:v>2</c:v>
-                </c:pt>
-                <c:pt idx="323">
-                  <c:v>2</c:v>
-                </c:pt>
-                <c:pt idx="324">
-                  <c:v>2</c:v>
-                </c:pt>
-                <c:pt idx="325">
-                  <c:v>2</c:v>
-                </c:pt>
-                <c:pt idx="326">
-                  <c:v>2</c:v>
-                </c:pt>
-                <c:pt idx="327">
-                  <c:v>2</c:v>
-                </c:pt>
-                <c:pt idx="328">
-                  <c:v>2</c:v>
-                </c:pt>
-                <c:pt idx="329">
-                  <c:v>2</c:v>
-                </c:pt>
-                <c:pt idx="330">
-                  <c:v>2</c:v>
-                </c:pt>
-                <c:pt idx="331">
-                  <c:v>2</c:v>
-                </c:pt>
-                <c:pt idx="332">
-                  <c:v>2</c:v>
-                </c:pt>
-                <c:pt idx="333">
-                  <c:v>2</c:v>
-                </c:pt>
-                <c:pt idx="334">
-                  <c:v>2</c:v>
-                </c:pt>
-                <c:pt idx="335">
-                  <c:v>2</c:v>
-                </c:pt>
-                <c:pt idx="336">
-                  <c:v>2</c:v>
-                </c:pt>
-                <c:pt idx="337">
-                  <c:v>2</c:v>
-                </c:pt>
-                <c:pt idx="338">
-                  <c:v>2</c:v>
-                </c:pt>
-                <c:pt idx="339">
-                  <c:v>2</c:v>
-                </c:pt>
-                <c:pt idx="340">
-                  <c:v>2</c:v>
-                </c:pt>
-                <c:pt idx="341">
-                  <c:v>2</c:v>
-                </c:pt>
-                <c:pt idx="342">
-                  <c:v>2</c:v>
-                </c:pt>
-                <c:pt idx="343">
-                  <c:v>2</c:v>
-                </c:pt>
-                <c:pt idx="344">
-                  <c:v>2</c:v>
-                </c:pt>
-                <c:pt idx="345">
-                  <c:v>2</c:v>
-                </c:pt>
-                <c:pt idx="346">
-                  <c:v>2</c:v>
-                </c:pt>
-                <c:pt idx="347">
-                  <c:v>2</c:v>
-                </c:pt>
-                <c:pt idx="348">
-                  <c:v>2</c:v>
-                </c:pt>
-                <c:pt idx="349">
-                  <c:v>2</c:v>
-                </c:pt>
-                <c:pt idx="350">
-                  <c:v>2</c:v>
-                </c:pt>
-                <c:pt idx="351">
-                  <c:v>2</c:v>
-                </c:pt>
-                <c:pt idx="352">
-                  <c:v>2</c:v>
-                </c:pt>
-                <c:pt idx="353">
-                  <c:v>2</c:v>
-                </c:pt>
-                <c:pt idx="354">
-                  <c:v>2</c:v>
-                </c:pt>
-                <c:pt idx="355">
-                  <c:v>2</c:v>
-                </c:pt>
-                <c:pt idx="356">
-                  <c:v>2</c:v>
-                </c:pt>
-                <c:pt idx="357">
-                  <c:v>2</c:v>
-                </c:pt>
-                <c:pt idx="358">
-                  <c:v>2</c:v>
-                </c:pt>
-                <c:pt idx="359">
-                  <c:v>2</c:v>
-                </c:pt>
                 <c:pt idx="360">
-                  <c:v>2</c:v>
+                  <c:v>4</c:v>
                 </c:pt>
                 <c:pt idx="361">
-                  <c:v>2</c:v>
+                  <c:v>4</c:v>
                 </c:pt>
                 <c:pt idx="362">
-                  <c:v>2</c:v>
+                  <c:v>3</c:v>
                 </c:pt>
                 <c:pt idx="363">
-                  <c:v>2</c:v>
+                  <c:v>3</c:v>
                 </c:pt>
                 <c:pt idx="364">
-                  <c:v>2</c:v>
+                  <c:v>3</c:v>
                 </c:pt>
                 <c:pt idx="365">
-                  <c:v>2</c:v>
+                  <c:v>3</c:v>
                 </c:pt>
                 <c:pt idx="366">
-                  <c:v>2</c:v>
+                  <c:v>3</c:v>
                 </c:pt>
                 <c:pt idx="367">
-                  <c:v>2</c:v>
+                  <c:v>3</c:v>
                 </c:pt>
                 <c:pt idx="368">
-                  <c:v>2</c:v>
+                  <c:v>3</c:v>
                 </c:pt>
                 <c:pt idx="369">
-                  <c:v>2</c:v>
+                  <c:v>3</c:v>
                 </c:pt>
                 <c:pt idx="370">
-                  <c:v>2</c:v>
+                  <c:v>3</c:v>
                 </c:pt>
                 <c:pt idx="371">
-                  <c:v>2</c:v>
+                  <c:v>3</c:v>
                 </c:pt>
                 <c:pt idx="372">
-                  <c:v>2</c:v>
+                  <c:v>3</c:v>
                 </c:pt>
                 <c:pt idx="373">
-                  <c:v>2</c:v>
+                  <c:v>3</c:v>
                 </c:pt>
                 <c:pt idx="374">
-                  <c:v>2</c:v>
+                  <c:v>3</c:v>
                 </c:pt>
                 <c:pt idx="375">
-                  <c:v>2</c:v>
+                  <c:v>3</c:v>
                 </c:pt>
                 <c:pt idx="376">
-                  <c:v>2</c:v>
+                  <c:v>3</c:v>
                 </c:pt>
                 <c:pt idx="377">
-                  <c:v>2</c:v>
+                  <c:v>3</c:v>
                 </c:pt>
                 <c:pt idx="378">
-                  <c:v>2</c:v>
+                  <c:v>3</c:v>
                 </c:pt>
                 <c:pt idx="379">
-                  <c:v>2</c:v>
+                  <c:v>3</c:v>
                 </c:pt>
                 <c:pt idx="380">
-                  <c:v>2</c:v>
+                  <c:v>3</c:v>
                 </c:pt>
                 <c:pt idx="381">
-                  <c:v>2</c:v>
+                  <c:v>3</c:v>
                 </c:pt>
                 <c:pt idx="382">
-                  <c:v>2</c:v>
+                  <c:v>3</c:v>
                 </c:pt>
                 <c:pt idx="383">
-                  <c:v>2</c:v>
+                  <c:v>3</c:v>
                 </c:pt>
                 <c:pt idx="384">
-                  <c:v>2</c:v>
+                  <c:v>3</c:v>
                 </c:pt>
                 <c:pt idx="385">
-                  <c:v>2</c:v>
+                  <c:v>3</c:v>
                 </c:pt>
                 <c:pt idx="386">
-                  <c:v>2</c:v>
+                  <c:v>3</c:v>
                 </c:pt>
                 <c:pt idx="387">
-                  <c:v>2</c:v>
+                  <c:v>3</c:v>
                 </c:pt>
                 <c:pt idx="388">
-                  <c:v>2</c:v>
+                  <c:v>3</c:v>
                 </c:pt>
                 <c:pt idx="389">
-                  <c:v>2</c:v>
+                  <c:v>3</c:v>
                 </c:pt>
                 <c:pt idx="390">
-                  <c:v>2</c:v>
+                  <c:v>3</c:v>
                 </c:pt>
                 <c:pt idx="391">
-                  <c:v>2</c:v>
+                  <c:v>3</c:v>
                 </c:pt>
                 <c:pt idx="392">
-                  <c:v>2</c:v>
+                  <c:v>3</c:v>
                 </c:pt>
                 <c:pt idx="393">
-                  <c:v>2</c:v>
+                  <c:v>3</c:v>
                 </c:pt>
                 <c:pt idx="394">
-                  <c:v>2</c:v>
+                  <c:v>3</c:v>
                 </c:pt>
                 <c:pt idx="395">
-                  <c:v>2</c:v>
+                  <c:v>3</c:v>
                 </c:pt>
                 <c:pt idx="396">
-                  <c:v>2</c:v>
+                  <c:v>3</c:v>
                 </c:pt>
                 <c:pt idx="397">
-                  <c:v>2</c:v>
+                  <c:v>3</c:v>
                 </c:pt>
                 <c:pt idx="398">
-                  <c:v>2</c:v>
+                  <c:v>3</c:v>
                 </c:pt>
                 <c:pt idx="399">
-                  <c:v>2</c:v>
+                  <c:v>3</c:v>
                 </c:pt>
                 <c:pt idx="400">
-                  <c:v>2</c:v>
+                  <c:v>3</c:v>
                 </c:pt>
                 <c:pt idx="401">
-                  <c:v>2</c:v>
+                  <c:v>3</c:v>
                 </c:pt>
                 <c:pt idx="402">
-                  <c:v>2</c:v>
+                  <c:v>3</c:v>
                 </c:pt>
                 <c:pt idx="403">
-                  <c:v>2</c:v>
+                  <c:v>3</c:v>
                 </c:pt>
                 <c:pt idx="404">
-                  <c:v>2</c:v>
+                  <c:v>3</c:v>
                 </c:pt>
                 <c:pt idx="405">
-                  <c:v>2</c:v>
+                  <c:v>3</c:v>
                 </c:pt>
                 <c:pt idx="406">
-                  <c:v>2</c:v>
+                  <c:v>3</c:v>
                 </c:pt>
                 <c:pt idx="407">
-                  <c:v>2</c:v>
+                  <c:v>3</c:v>
                 </c:pt>
                 <c:pt idx="408">
-                  <c:v>2</c:v>
+                  <c:v>3</c:v>
                 </c:pt>
                 <c:pt idx="409">
-                  <c:v>2</c:v>
+                  <c:v>3</c:v>
                 </c:pt>
                 <c:pt idx="410">
-                  <c:v>2</c:v>
+                  <c:v>3</c:v>
                 </c:pt>
                 <c:pt idx="411">
-                  <c:v>2</c:v>
+                  <c:v>3</c:v>
                 </c:pt>
                 <c:pt idx="412">
-                  <c:v>2</c:v>
+                  <c:v>3</c:v>
                 </c:pt>
                 <c:pt idx="413">
-                  <c:v>1</c:v>
+                  <c:v>3</c:v>
                 </c:pt>
                 <c:pt idx="414">
-                  <c:v>1</c:v>
+                  <c:v>3</c:v>
                 </c:pt>
                 <c:pt idx="415">
-                  <c:v>1</c:v>
+                  <c:v>3</c:v>
                 </c:pt>
                 <c:pt idx="416">
-                  <c:v>1</c:v>
+                  <c:v>3</c:v>
                 </c:pt>
                 <c:pt idx="417">
-                  <c:v>1</c:v>
+                  <c:v>3</c:v>
                 </c:pt>
                 <c:pt idx="418">
-                  <c:v>1</c:v>
+                  <c:v>3</c:v>
                 </c:pt>
                 <c:pt idx="419">
-                  <c:v>1</c:v>
+                  <c:v>3</c:v>
                 </c:pt>
                 <c:pt idx="420">
-                  <c:v>1</c:v>
+                  <c:v>3</c:v>
                 </c:pt>
                 <c:pt idx="421">
-                  <c:v>1</c:v>
+                  <c:v>3</c:v>
                 </c:pt>
                 <c:pt idx="422">
-                  <c:v>1</c:v>
+                  <c:v>3</c:v>
                 </c:pt>
                 <c:pt idx="423">
-                  <c:v>1</c:v>
+                  <c:v>3</c:v>
                 </c:pt>
                 <c:pt idx="424">
-                  <c:v>1</c:v>
+                  <c:v>3</c:v>
                 </c:pt>
                 <c:pt idx="425">
-                  <c:v>1</c:v>
+                  <c:v>3</c:v>
                 </c:pt>
                 <c:pt idx="426">
-                  <c:v>1</c:v>
+                  <c:v>3</c:v>
                 </c:pt>
                 <c:pt idx="427">
-                  <c:v>1</c:v>
+                  <c:v>3</c:v>
                 </c:pt>
                 <c:pt idx="428">
-                  <c:v>1</c:v>
+                  <c:v>3</c:v>
                 </c:pt>
                 <c:pt idx="429">
-                  <c:v>1</c:v>
+                  <c:v>3</c:v>
                 </c:pt>
                 <c:pt idx="430">
-                  <c:v>1</c:v>
+                  <c:v>3</c:v>
                 </c:pt>
                 <c:pt idx="431">
-                  <c:v>1</c:v>
+                  <c:v>3</c:v>
                 </c:pt>
                 <c:pt idx="432">
-                  <c:v>1</c:v>
+                  <c:v>3</c:v>
                 </c:pt>
                 <c:pt idx="433">
-                  <c:v>1</c:v>
+                  <c:v>3</c:v>
                 </c:pt>
                 <c:pt idx="434">
-                  <c:v>1</c:v>
+                  <c:v>3</c:v>
                 </c:pt>
                 <c:pt idx="435">
-                  <c:v>1</c:v>
+                  <c:v>3</c:v>
                 </c:pt>
                 <c:pt idx="436">
-                  <c:v>1</c:v>
+                  <c:v>3</c:v>
                 </c:pt>
                 <c:pt idx="437">
-                  <c:v>1</c:v>
+                  <c:v>3</c:v>
                 </c:pt>
                 <c:pt idx="438">
-                  <c:v>1</c:v>
+                  <c:v>3</c:v>
                 </c:pt>
                 <c:pt idx="439">
-                  <c:v>1</c:v>
+                  <c:v>3</c:v>
                 </c:pt>
                 <c:pt idx="440">
-                  <c:v>1</c:v>
+                  <c:v>3</c:v>
                 </c:pt>
                 <c:pt idx="441">
-                  <c:v>1</c:v>
+                  <c:v>3</c:v>
                 </c:pt>
                 <c:pt idx="442">
-                  <c:v>1</c:v>
+                  <c:v>3</c:v>
                 </c:pt>
                 <c:pt idx="443">
-                  <c:v>1</c:v>
+                  <c:v>3</c:v>
                 </c:pt>
                 <c:pt idx="444">
-                  <c:v>1</c:v>
+                  <c:v>3</c:v>
                 </c:pt>
                 <c:pt idx="445">
-                  <c:v>1</c:v>
+                  <c:v>3</c:v>
                 </c:pt>
                 <c:pt idx="446">
-                  <c:v>1</c:v>
+                  <c:v>3</c:v>
                 </c:pt>
                 <c:pt idx="447">
-                  <c:v>1</c:v>
+                  <c:v>3</c:v>
                 </c:pt>
                 <c:pt idx="448">
-                  <c:v>1</c:v>
+                  <c:v>3</c:v>
                 </c:pt>
                 <c:pt idx="449">
-                  <c:v>1</c:v>
+                  <c:v>3</c:v>
                 </c:pt>
                 <c:pt idx="450">
-                  <c:v>1</c:v>
+                  <c:v>3</c:v>
                 </c:pt>
                 <c:pt idx="451">
-                  <c:v>1</c:v>
+                  <c:v>3</c:v>
                 </c:pt>
                 <c:pt idx="452">
-                  <c:v>1</c:v>
+                  <c:v>3</c:v>
                 </c:pt>
                 <c:pt idx="453">
-                  <c:v>1</c:v>
+                  <c:v>3</c:v>
                 </c:pt>
                 <c:pt idx="454">
-                  <c:v>1</c:v>
+                  <c:v>3</c:v>
                 </c:pt>
                 <c:pt idx="455">
-                  <c:v>1</c:v>
+                  <c:v>3</c:v>
                 </c:pt>
                 <c:pt idx="456">
-                  <c:v>1</c:v>
+                  <c:v>3</c:v>
                 </c:pt>
                 <c:pt idx="457">
-                  <c:v>1</c:v>
+                  <c:v>3</c:v>
                 </c:pt>
                 <c:pt idx="458">
-                  <c:v>1</c:v>
+                  <c:v>3</c:v>
                 </c:pt>
                 <c:pt idx="459">
-                  <c:v>1</c:v>
+                  <c:v>3</c:v>
                 </c:pt>
                 <c:pt idx="460">
-                  <c:v>1</c:v>
+                  <c:v>2</c:v>
                 </c:pt>
                 <c:pt idx="461">
-                  <c:v>1</c:v>
+                  <c:v>2</c:v>
                 </c:pt>
                 <c:pt idx="462">
-                  <c:v>1</c:v>
+                  <c:v>2</c:v>
                 </c:pt>
                 <c:pt idx="463">
-                  <c:v>1</c:v>
+                  <c:v>2</c:v>
                 </c:pt>
                 <c:pt idx="464">
-                  <c:v>1</c:v>
+                  <c:v>2</c:v>
                 </c:pt>
                 <c:pt idx="465">
-                  <c:v>1</c:v>
+                  <c:v>2</c:v>
                 </c:pt>
                 <c:pt idx="466">
-                  <c:v>1</c:v>
+                  <c:v>2</c:v>
                 </c:pt>
                 <c:pt idx="467">
-                  <c:v>1</c:v>
+                  <c:v>2</c:v>
                 </c:pt>
                 <c:pt idx="468">
-                  <c:v>1</c:v>
+                  <c:v>2</c:v>
                 </c:pt>
                 <c:pt idx="469">
-                  <c:v>1</c:v>
+                  <c:v>2</c:v>
                 </c:pt>
                 <c:pt idx="470">
-                  <c:v>1</c:v>
+                  <c:v>2</c:v>
                 </c:pt>
                 <c:pt idx="471">
-                  <c:v>1</c:v>
+                  <c:v>2</c:v>
                 </c:pt>
                 <c:pt idx="472">
-                  <c:v>1</c:v>
+                  <c:v>2</c:v>
                 </c:pt>
                 <c:pt idx="473">
-                  <c:v>1</c:v>
+                  <c:v>2</c:v>
                 </c:pt>
                 <c:pt idx="474">
-                  <c:v>1</c:v>
+                  <c:v>2</c:v>
                 </c:pt>
                 <c:pt idx="475">
-                  <c:v>1</c:v>
+                  <c:v>2</c:v>
                 </c:pt>
                 <c:pt idx="476">
-                  <c:v>1</c:v>
+                  <c:v>2</c:v>
                 </c:pt>
                 <c:pt idx="477">
-                  <c:v>1</c:v>
+                  <c:v>2</c:v>
                 </c:pt>
                 <c:pt idx="478">
-                  <c:v>1</c:v>
+                  <c:v>2</c:v>
                 </c:pt>
                 <c:pt idx="479">
-                  <c:v>1</c:v>
+                  <c:v>2</c:v>
                 </c:pt>
                 <c:pt idx="480">
-                  <c:v>1</c:v>
+                  <c:v>2</c:v>
                 </c:pt>
                 <c:pt idx="481">
-                  <c:v>1</c:v>
+                  <c:v>2</c:v>
                 </c:pt>
                 <c:pt idx="482">
-                  <c:v>1</c:v>
+                  <c:v>2</c:v>
                 </c:pt>
                 <c:pt idx="483">
-                  <c:v>1</c:v>
+                  <c:v>2</c:v>
                 </c:pt>
                 <c:pt idx="484">
-                  <c:v>1</c:v>
+                  <c:v>2</c:v>
                 </c:pt>
                 <c:pt idx="485">
-                  <c:v>1</c:v>
+                  <c:v>2</c:v>
                 </c:pt>
                 <c:pt idx="486">
-                  <c:v>1</c:v>
+                  <c:v>2</c:v>
                 </c:pt>
                 <c:pt idx="487">
-                  <c:v>1</c:v>
+                  <c:v>2</c:v>
                 </c:pt>
                 <c:pt idx="488">
-                  <c:v>1</c:v>
+                  <c:v>2</c:v>
                 </c:pt>
                 <c:pt idx="489">
-                  <c:v>1</c:v>
+                  <c:v>2</c:v>
                 </c:pt>
                 <c:pt idx="490">
-                  <c:v>1</c:v>
+                  <c:v>2</c:v>
                 </c:pt>
                 <c:pt idx="491">
-                  <c:v>1</c:v>
+                  <c:v>2</c:v>
                 </c:pt>
                 <c:pt idx="492">
-                  <c:v>1</c:v>
+                  <c:v>2</c:v>
                 </c:pt>
                 <c:pt idx="493">
-                  <c:v>1</c:v>
+                  <c:v>2</c:v>
                 </c:pt>
                 <c:pt idx="494">
-                  <c:v>1</c:v>
+                  <c:v>2</c:v>
                 </c:pt>
                 <c:pt idx="495">
-                  <c:v>1</c:v>
+                  <c:v>2</c:v>
                 </c:pt>
                 <c:pt idx="496">
-                  <c:v>1</c:v>
+                  <c:v>2</c:v>
                 </c:pt>
                 <c:pt idx="497">
-                  <c:v>1</c:v>
+                  <c:v>2</c:v>
                 </c:pt>
                 <c:pt idx="498">
-                  <c:v>1</c:v>
+                  <c:v>2</c:v>
                 </c:pt>
                 <c:pt idx="499">
-                  <c:v>1</c:v>
+                  <c:v>2</c:v>
                 </c:pt>
                 <c:pt idx="500">
-                  <c:v>1</c:v>
+                  <c:v>2</c:v>
                 </c:pt>
                 <c:pt idx="501">
-                  <c:v>1</c:v>
+                  <c:v>2</c:v>
                 </c:pt>
                 <c:pt idx="502">
-                  <c:v>1</c:v>
+                  <c:v>2</c:v>
                 </c:pt>
                 <c:pt idx="503">
-                  <c:v>1</c:v>
+                  <c:v>2</c:v>
                 </c:pt>
                 <c:pt idx="504">
-                  <c:v>1</c:v>
+                  <c:v>2</c:v>
                 </c:pt>
                 <c:pt idx="505">
-                  <c:v>1</c:v>
+                  <c:v>2</c:v>
                 </c:pt>
                 <c:pt idx="506">
-                  <c:v>1</c:v>
+                  <c:v>2</c:v>
                 </c:pt>
                 <c:pt idx="507">
-                  <c:v>1</c:v>
+                  <c:v>2</c:v>
                 </c:pt>
                 <c:pt idx="508">
-                  <c:v>1</c:v>
+                  <c:v>2</c:v>
                 </c:pt>
                 <c:pt idx="509">
-                  <c:v>1</c:v>
+                  <c:v>2</c:v>
                 </c:pt>
                 <c:pt idx="510">
-                  <c:v>1</c:v>
+                  <c:v>2</c:v>
                 </c:pt>
                 <c:pt idx="511">
-                  <c:v>1</c:v>
+                  <c:v>2</c:v>
                 </c:pt>
                 <c:pt idx="512">
-                  <c:v>1</c:v>
+                  <c:v>2</c:v>
                 </c:pt>
                 <c:pt idx="513">
-                  <c:v>1</c:v>
+                  <c:v>2</c:v>
                 </c:pt>
                 <c:pt idx="514">
-                  <c:v>1</c:v>
+                  <c:v>2</c:v>
                 </c:pt>
                 <c:pt idx="515">
-                  <c:v>1</c:v>
+                  <c:v>2</c:v>
                 </c:pt>
                 <c:pt idx="516">
-                  <c:v>1</c:v>
+                  <c:v>2</c:v>
                 </c:pt>
                 <c:pt idx="517">
-                  <c:v>1</c:v>
+                  <c:v>2</c:v>
                 </c:pt>
                 <c:pt idx="518">
-                  <c:v>1</c:v>
+                  <c:v>2</c:v>
                 </c:pt>
                 <c:pt idx="519">
-                  <c:v>1</c:v>
+                  <c:v>2</c:v>
                 </c:pt>
                 <c:pt idx="520">
-                  <c:v>1</c:v>
+                  <c:v>2</c:v>
                 </c:pt>
                 <c:pt idx="521">
-                  <c:v>1</c:v>
+                  <c:v>2</c:v>
                 </c:pt>
                 <c:pt idx="522">
-                  <c:v>1</c:v>
+                  <c:v>2</c:v>
                 </c:pt>
                 <c:pt idx="523">
-                  <c:v>1</c:v>
+                  <c:v>2</c:v>
                 </c:pt>
                 <c:pt idx="524">
-                  <c:v>1</c:v>
+                  <c:v>2</c:v>
                 </c:pt>
                 <c:pt idx="525">
-                  <c:v>1</c:v>
+                  <c:v>2</c:v>
                 </c:pt>
                 <c:pt idx="526">
-                  <c:v>1</c:v>
+                  <c:v>2</c:v>
                 </c:pt>
                 <c:pt idx="527">
-                  <c:v>1</c:v>
+                  <c:v>2</c:v>
                 </c:pt>
                 <c:pt idx="528">
-                  <c:v>1</c:v>
+                  <c:v>2</c:v>
                 </c:pt>
                 <c:pt idx="529">
-                  <c:v>1</c:v>
+                  <c:v>2</c:v>
                 </c:pt>
                 <c:pt idx="530">
-                  <c:v>1</c:v>
+                  <c:v>2</c:v>
                 </c:pt>
                 <c:pt idx="531">
-                  <c:v>1</c:v>
+                  <c:v>2</c:v>
                 </c:pt>
                 <c:pt idx="532">
-                  <c:v>1</c:v>
+                  <c:v>2</c:v>
                 </c:pt>
                 <c:pt idx="533">
-                  <c:v>1</c:v>
+                  <c:v>2</c:v>
                 </c:pt>
                 <c:pt idx="534">
-                  <c:v>1</c:v>
+                  <c:v>2</c:v>
                 </c:pt>
                 <c:pt idx="535">
-                  <c:v>1</c:v>
+                  <c:v>2</c:v>
                 </c:pt>
                 <c:pt idx="536">
-                  <c:v>1</c:v>
+                  <c:v>2</c:v>
                 </c:pt>
                 <c:pt idx="537">
-                  <c:v>1</c:v>
+                  <c:v>2</c:v>
                 </c:pt>
                 <c:pt idx="538">
-                  <c:v>1</c:v>
+                  <c:v>2</c:v>
                 </c:pt>
                 <c:pt idx="539">
-                  <c:v>1</c:v>
+                  <c:v>2</c:v>
                 </c:pt>
                 <c:pt idx="540">
-                  <c:v>1</c:v>
+                  <c:v>2</c:v>
                 </c:pt>
                 <c:pt idx="541">
-                  <c:v>1</c:v>
+                  <c:v>2</c:v>
                 </c:pt>
                 <c:pt idx="542">
-                  <c:v>1</c:v>
+                  <c:v>2</c:v>
                 </c:pt>
                 <c:pt idx="543">
-                  <c:v>1</c:v>
+                  <c:v>2</c:v>
                 </c:pt>
                 <c:pt idx="544">
-                  <c:v>1</c:v>
+                  <c:v>2</c:v>
                 </c:pt>
                 <c:pt idx="545">
-                  <c:v>1</c:v>
+                  <c:v>2</c:v>
                 </c:pt>
                 <c:pt idx="546">
-                  <c:v>1</c:v>
+                  <c:v>2</c:v>
                 </c:pt>
                 <c:pt idx="547">
-                  <c:v>1</c:v>
+                  <c:v>2</c:v>
                 </c:pt>
                 <c:pt idx="548">
-                  <c:v>1</c:v>
+                  <c:v>2</c:v>
                 </c:pt>
                 <c:pt idx="549">
-                  <c:v>1</c:v>
+                  <c:v>2</c:v>
                 </c:pt>
                 <c:pt idx="550">
-                  <c:v>1</c:v>
+                  <c:v>2</c:v>
                 </c:pt>
                 <c:pt idx="551">
-                  <c:v>1</c:v>
+                  <c:v>2</c:v>
                 </c:pt>
                 <c:pt idx="552">
-                  <c:v>1</c:v>
+                  <c:v>2</c:v>
                 </c:pt>
                 <c:pt idx="553">
-                  <c:v>1</c:v>
+                  <c:v>2</c:v>
                 </c:pt>
                 <c:pt idx="554">
-                  <c:v>1</c:v>
+                  <c:v>2</c:v>
                 </c:pt>
                 <c:pt idx="555">
-                  <c:v>1</c:v>
+                  <c:v>2</c:v>
                 </c:pt>
                 <c:pt idx="556">
-                  <c:v>1</c:v>
+                  <c:v>2</c:v>
                 </c:pt>
                 <c:pt idx="557">
-                  <c:v>1</c:v>
+                  <c:v>2</c:v>
                 </c:pt>
                 <c:pt idx="558">
-                  <c:v>1</c:v>
+                  <c:v>2</c:v>
                 </c:pt>
                 <c:pt idx="559">
-                  <c:v>1</c:v>
+                  <c:v>2</c:v>
                 </c:pt>
                 <c:pt idx="560">
-                  <c:v>1</c:v>
+                  <c:v>2</c:v>
                 </c:pt>
                 <c:pt idx="561">
-                  <c:v>1</c:v>
+                  <c:v>2</c:v>
                 </c:pt>
                 <c:pt idx="562">
-                  <c:v>1</c:v>
+                  <c:v>2</c:v>
                 </c:pt>
                 <c:pt idx="563">
-                  <c:v>1</c:v>
+                  <c:v>2</c:v>
                 </c:pt>
                 <c:pt idx="564">
-                  <c:v>1</c:v>
+                  <c:v>2</c:v>
                 </c:pt>
                 <c:pt idx="565">
-                  <c:v>1</c:v>
+                  <c:v>2</c:v>
                 </c:pt>
                 <c:pt idx="566">
-                  <c:v>1</c:v>
+                  <c:v>2</c:v>
                 </c:pt>
                 <c:pt idx="567">
-                  <c:v>1</c:v>
+                  <c:v>2</c:v>
                 </c:pt>
                 <c:pt idx="568">
-                  <c:v>1</c:v>
+                  <c:v>2</c:v>
                 </c:pt>
                 <c:pt idx="569">
-                  <c:v>1</c:v>
+                  <c:v>2</c:v>
                 </c:pt>
                 <c:pt idx="570">
-                  <c:v>1</c:v>
+                  <c:v>2</c:v>
                 </c:pt>
                 <c:pt idx="571">
-                  <c:v>1</c:v>
+                  <c:v>2</c:v>
                 </c:pt>
                 <c:pt idx="572">
-                  <c:v>1</c:v>
+                  <c:v>2</c:v>
                 </c:pt>
                 <c:pt idx="573">
-                  <c:v>1</c:v>
+                  <c:v>2</c:v>
                 </c:pt>
                 <c:pt idx="574">
-                  <c:v>1</c:v>
+                  <c:v>2</c:v>
                 </c:pt>
                 <c:pt idx="575">
-                  <c:v>1</c:v>
+                  <c:v>2</c:v>
                 </c:pt>
                 <c:pt idx="576">
-                  <c:v>1</c:v>
+                  <c:v>2</c:v>
                 </c:pt>
                 <c:pt idx="577">
-                  <c:v>1</c:v>
+                  <c:v>2</c:v>
                 </c:pt>
                 <c:pt idx="578">
-                  <c:v>1</c:v>
+                  <c:v>2</c:v>
                 </c:pt>
                 <c:pt idx="579">
-                  <c:v>1</c:v>
+                  <c:v>2</c:v>
                 </c:pt>
                 <c:pt idx="580">
-                  <c:v>1</c:v>
+                  <c:v>2</c:v>
                 </c:pt>
                 <c:pt idx="581">
-                  <c:v>1</c:v>
+                  <c:v>2</c:v>
                 </c:pt>
                 <c:pt idx="582">
-                  <c:v>1</c:v>
+                  <c:v>2</c:v>
                 </c:pt>
                 <c:pt idx="583">
-                  <c:v>1</c:v>
+                  <c:v>2</c:v>
                 </c:pt>
                 <c:pt idx="584">
-                  <c:v>1</c:v>
+                  <c:v>2</c:v>
                 </c:pt>
                 <c:pt idx="585">
-                  <c:v>1</c:v>
+                  <c:v>2</c:v>
                 </c:pt>
                 <c:pt idx="586">
-                  <c:v>1</c:v>
+                  <c:v>2</c:v>
                 </c:pt>
                 <c:pt idx="587">
-                  <c:v>1</c:v>
+                  <c:v>2</c:v>
                 </c:pt>
                 <c:pt idx="588">
-                  <c:v>1</c:v>
+                  <c:v>2</c:v>
                 </c:pt>
                 <c:pt idx="589">
-                  <c:v>1</c:v>
+                  <c:v>2</c:v>
                 </c:pt>
                 <c:pt idx="590">
-                  <c:v>1</c:v>
+                  <c:v>2</c:v>
                 </c:pt>
                 <c:pt idx="591">
                   <c:v>1</c:v>
@@ -2048,6 +2049,717 @@
                   <c:v>1</c:v>
                 </c:pt>
                 <c:pt idx="630">
+                  <c:v>1</c:v>
+                </c:pt>
+                <c:pt idx="631">
+                  <c:v>1</c:v>
+                </c:pt>
+                <c:pt idx="632">
+                  <c:v>1</c:v>
+                </c:pt>
+                <c:pt idx="633">
+                  <c:v>1</c:v>
+                </c:pt>
+                <c:pt idx="634">
+                  <c:v>1</c:v>
+                </c:pt>
+                <c:pt idx="635">
+                  <c:v>1</c:v>
+                </c:pt>
+                <c:pt idx="636">
+                  <c:v>1</c:v>
+                </c:pt>
+                <c:pt idx="637">
+                  <c:v>1</c:v>
+                </c:pt>
+                <c:pt idx="638">
+                  <c:v>1</c:v>
+                </c:pt>
+                <c:pt idx="639">
+                  <c:v>1</c:v>
+                </c:pt>
+                <c:pt idx="640">
+                  <c:v>1</c:v>
+                </c:pt>
+                <c:pt idx="641">
+                  <c:v>1</c:v>
+                </c:pt>
+                <c:pt idx="642">
+                  <c:v>1</c:v>
+                </c:pt>
+                <c:pt idx="643">
+                  <c:v>1</c:v>
+                </c:pt>
+                <c:pt idx="644">
+                  <c:v>1</c:v>
+                </c:pt>
+                <c:pt idx="645">
+                  <c:v>1</c:v>
+                </c:pt>
+                <c:pt idx="646">
+                  <c:v>1</c:v>
+                </c:pt>
+                <c:pt idx="647">
+                  <c:v>1</c:v>
+                </c:pt>
+                <c:pt idx="648">
+                  <c:v>1</c:v>
+                </c:pt>
+                <c:pt idx="649">
+                  <c:v>1</c:v>
+                </c:pt>
+                <c:pt idx="650">
+                  <c:v>1</c:v>
+                </c:pt>
+                <c:pt idx="651">
+                  <c:v>1</c:v>
+                </c:pt>
+                <c:pt idx="652">
+                  <c:v>1</c:v>
+                </c:pt>
+                <c:pt idx="653">
+                  <c:v>1</c:v>
+                </c:pt>
+                <c:pt idx="654">
+                  <c:v>1</c:v>
+                </c:pt>
+                <c:pt idx="655">
+                  <c:v>1</c:v>
+                </c:pt>
+                <c:pt idx="656">
+                  <c:v>1</c:v>
+                </c:pt>
+                <c:pt idx="657">
+                  <c:v>1</c:v>
+                </c:pt>
+                <c:pt idx="658">
+                  <c:v>1</c:v>
+                </c:pt>
+                <c:pt idx="659">
+                  <c:v>1</c:v>
+                </c:pt>
+                <c:pt idx="660">
+                  <c:v>1</c:v>
+                </c:pt>
+                <c:pt idx="661">
+                  <c:v>1</c:v>
+                </c:pt>
+                <c:pt idx="662">
+                  <c:v>1</c:v>
+                </c:pt>
+                <c:pt idx="663">
+                  <c:v>1</c:v>
+                </c:pt>
+                <c:pt idx="664">
+                  <c:v>1</c:v>
+                </c:pt>
+                <c:pt idx="665">
+                  <c:v>1</c:v>
+                </c:pt>
+                <c:pt idx="666">
+                  <c:v>1</c:v>
+                </c:pt>
+                <c:pt idx="667">
+                  <c:v>1</c:v>
+                </c:pt>
+                <c:pt idx="668">
+                  <c:v>1</c:v>
+                </c:pt>
+                <c:pt idx="669">
+                  <c:v>1</c:v>
+                </c:pt>
+                <c:pt idx="670">
+                  <c:v>1</c:v>
+                </c:pt>
+                <c:pt idx="671">
+                  <c:v>1</c:v>
+                </c:pt>
+                <c:pt idx="672">
+                  <c:v>1</c:v>
+                </c:pt>
+                <c:pt idx="673">
+                  <c:v>1</c:v>
+                </c:pt>
+                <c:pt idx="674">
+                  <c:v>1</c:v>
+                </c:pt>
+                <c:pt idx="675">
+                  <c:v>1</c:v>
+                </c:pt>
+                <c:pt idx="676">
+                  <c:v>1</c:v>
+                </c:pt>
+                <c:pt idx="677">
+                  <c:v>1</c:v>
+                </c:pt>
+                <c:pt idx="678">
+                  <c:v>1</c:v>
+                </c:pt>
+                <c:pt idx="679">
+                  <c:v>1</c:v>
+                </c:pt>
+                <c:pt idx="680">
+                  <c:v>1</c:v>
+                </c:pt>
+                <c:pt idx="681">
+                  <c:v>1</c:v>
+                </c:pt>
+                <c:pt idx="682">
+                  <c:v>1</c:v>
+                </c:pt>
+                <c:pt idx="683">
+                  <c:v>1</c:v>
+                </c:pt>
+                <c:pt idx="684">
+                  <c:v>1</c:v>
+                </c:pt>
+                <c:pt idx="685">
+                  <c:v>1</c:v>
+                </c:pt>
+                <c:pt idx="686">
+                  <c:v>1</c:v>
+                </c:pt>
+                <c:pt idx="687">
+                  <c:v>1</c:v>
+                </c:pt>
+                <c:pt idx="688">
+                  <c:v>1</c:v>
+                </c:pt>
+                <c:pt idx="689">
+                  <c:v>1</c:v>
+                </c:pt>
+                <c:pt idx="690">
+                  <c:v>1</c:v>
+                </c:pt>
+                <c:pt idx="691">
+                  <c:v>1</c:v>
+                </c:pt>
+                <c:pt idx="692">
+                  <c:v>1</c:v>
+                </c:pt>
+                <c:pt idx="693">
+                  <c:v>1</c:v>
+                </c:pt>
+                <c:pt idx="694">
+                  <c:v>1</c:v>
+                </c:pt>
+                <c:pt idx="695">
+                  <c:v>1</c:v>
+                </c:pt>
+                <c:pt idx="696">
+                  <c:v>1</c:v>
+                </c:pt>
+                <c:pt idx="697">
+                  <c:v>1</c:v>
+                </c:pt>
+                <c:pt idx="698">
+                  <c:v>1</c:v>
+                </c:pt>
+                <c:pt idx="699">
+                  <c:v>1</c:v>
+                </c:pt>
+                <c:pt idx="700">
+                  <c:v>1</c:v>
+                </c:pt>
+                <c:pt idx="701">
+                  <c:v>1</c:v>
+                </c:pt>
+                <c:pt idx="702">
+                  <c:v>1</c:v>
+                </c:pt>
+                <c:pt idx="703">
+                  <c:v>1</c:v>
+                </c:pt>
+                <c:pt idx="704">
+                  <c:v>1</c:v>
+                </c:pt>
+                <c:pt idx="705">
+                  <c:v>1</c:v>
+                </c:pt>
+                <c:pt idx="706">
+                  <c:v>1</c:v>
+                </c:pt>
+                <c:pt idx="707">
+                  <c:v>1</c:v>
+                </c:pt>
+                <c:pt idx="708">
+                  <c:v>1</c:v>
+                </c:pt>
+                <c:pt idx="709">
+                  <c:v>1</c:v>
+                </c:pt>
+                <c:pt idx="710">
+                  <c:v>1</c:v>
+                </c:pt>
+                <c:pt idx="711">
+                  <c:v>1</c:v>
+                </c:pt>
+                <c:pt idx="712">
+                  <c:v>1</c:v>
+                </c:pt>
+                <c:pt idx="713">
+                  <c:v>1</c:v>
+                </c:pt>
+                <c:pt idx="714">
+                  <c:v>1</c:v>
+                </c:pt>
+                <c:pt idx="715">
+                  <c:v>1</c:v>
+                </c:pt>
+                <c:pt idx="716">
+                  <c:v>1</c:v>
+                </c:pt>
+                <c:pt idx="717">
+                  <c:v>1</c:v>
+                </c:pt>
+                <c:pt idx="718">
+                  <c:v>1</c:v>
+                </c:pt>
+                <c:pt idx="719">
+                  <c:v>1</c:v>
+                </c:pt>
+                <c:pt idx="720">
+                  <c:v>1</c:v>
+                </c:pt>
+                <c:pt idx="721">
+                  <c:v>1</c:v>
+                </c:pt>
+                <c:pt idx="722">
+                  <c:v>1</c:v>
+                </c:pt>
+                <c:pt idx="723">
+                  <c:v>1</c:v>
+                </c:pt>
+                <c:pt idx="724">
+                  <c:v>1</c:v>
+                </c:pt>
+                <c:pt idx="725">
+                  <c:v>1</c:v>
+                </c:pt>
+                <c:pt idx="726">
+                  <c:v>1</c:v>
+                </c:pt>
+                <c:pt idx="727">
+                  <c:v>1</c:v>
+                </c:pt>
+                <c:pt idx="728">
+                  <c:v>1</c:v>
+                </c:pt>
+                <c:pt idx="729">
+                  <c:v>1</c:v>
+                </c:pt>
+                <c:pt idx="730">
+                  <c:v>1</c:v>
+                </c:pt>
+                <c:pt idx="731">
+                  <c:v>1</c:v>
+                </c:pt>
+                <c:pt idx="732">
+                  <c:v>1</c:v>
+                </c:pt>
+                <c:pt idx="733">
+                  <c:v>1</c:v>
+                </c:pt>
+                <c:pt idx="734">
+                  <c:v>1</c:v>
+                </c:pt>
+                <c:pt idx="735">
+                  <c:v>1</c:v>
+                </c:pt>
+                <c:pt idx="736">
+                  <c:v>1</c:v>
+                </c:pt>
+                <c:pt idx="737">
+                  <c:v>1</c:v>
+                </c:pt>
+                <c:pt idx="738">
+                  <c:v>1</c:v>
+                </c:pt>
+                <c:pt idx="739">
+                  <c:v>1</c:v>
+                </c:pt>
+                <c:pt idx="740">
+                  <c:v>1</c:v>
+                </c:pt>
+                <c:pt idx="741">
+                  <c:v>1</c:v>
+                </c:pt>
+                <c:pt idx="742">
+                  <c:v>1</c:v>
+                </c:pt>
+                <c:pt idx="743">
+                  <c:v>1</c:v>
+                </c:pt>
+                <c:pt idx="744">
+                  <c:v>1</c:v>
+                </c:pt>
+                <c:pt idx="745">
+                  <c:v>1</c:v>
+                </c:pt>
+                <c:pt idx="746">
+                  <c:v>1</c:v>
+                </c:pt>
+                <c:pt idx="747">
+                  <c:v>1</c:v>
+                </c:pt>
+                <c:pt idx="748">
+                  <c:v>1</c:v>
+                </c:pt>
+                <c:pt idx="749">
+                  <c:v>1</c:v>
+                </c:pt>
+                <c:pt idx="750">
+                  <c:v>1</c:v>
+                </c:pt>
+                <c:pt idx="751">
+                  <c:v>1</c:v>
+                </c:pt>
+                <c:pt idx="752">
+                  <c:v>1</c:v>
+                </c:pt>
+                <c:pt idx="753">
+                  <c:v>1</c:v>
+                </c:pt>
+                <c:pt idx="754">
+                  <c:v>1</c:v>
+                </c:pt>
+                <c:pt idx="755">
+                  <c:v>1</c:v>
+                </c:pt>
+                <c:pt idx="756">
+                  <c:v>1</c:v>
+                </c:pt>
+                <c:pt idx="757">
+                  <c:v>1</c:v>
+                </c:pt>
+                <c:pt idx="758">
+                  <c:v>1</c:v>
+                </c:pt>
+                <c:pt idx="759">
+                  <c:v>1</c:v>
+                </c:pt>
+                <c:pt idx="760">
+                  <c:v>1</c:v>
+                </c:pt>
+                <c:pt idx="761">
+                  <c:v>1</c:v>
+                </c:pt>
+                <c:pt idx="762">
+                  <c:v>1</c:v>
+                </c:pt>
+                <c:pt idx="763">
+                  <c:v>1</c:v>
+                </c:pt>
+                <c:pt idx="764">
+                  <c:v>1</c:v>
+                </c:pt>
+                <c:pt idx="765">
+                  <c:v>1</c:v>
+                </c:pt>
+                <c:pt idx="766">
+                  <c:v>1</c:v>
+                </c:pt>
+                <c:pt idx="767">
+                  <c:v>1</c:v>
+                </c:pt>
+                <c:pt idx="768">
+                  <c:v>1</c:v>
+                </c:pt>
+                <c:pt idx="769">
+                  <c:v>1</c:v>
+                </c:pt>
+                <c:pt idx="770">
+                  <c:v>1</c:v>
+                </c:pt>
+                <c:pt idx="771">
+                  <c:v>1</c:v>
+                </c:pt>
+                <c:pt idx="772">
+                  <c:v>1</c:v>
+                </c:pt>
+                <c:pt idx="773">
+                  <c:v>1</c:v>
+                </c:pt>
+                <c:pt idx="774">
+                  <c:v>1</c:v>
+                </c:pt>
+                <c:pt idx="775">
+                  <c:v>1</c:v>
+                </c:pt>
+                <c:pt idx="776">
+                  <c:v>1</c:v>
+                </c:pt>
+                <c:pt idx="777">
+                  <c:v>1</c:v>
+                </c:pt>
+                <c:pt idx="778">
+                  <c:v>1</c:v>
+                </c:pt>
+                <c:pt idx="779">
+                  <c:v>1</c:v>
+                </c:pt>
+                <c:pt idx="780">
+                  <c:v>1</c:v>
+                </c:pt>
+                <c:pt idx="781">
+                  <c:v>1</c:v>
+                </c:pt>
+                <c:pt idx="782">
+                  <c:v>1</c:v>
+                </c:pt>
+                <c:pt idx="783">
+                  <c:v>1</c:v>
+                </c:pt>
+                <c:pt idx="784">
+                  <c:v>1</c:v>
+                </c:pt>
+                <c:pt idx="785">
+                  <c:v>1</c:v>
+                </c:pt>
+                <c:pt idx="786">
+                  <c:v>1</c:v>
+                </c:pt>
+                <c:pt idx="787">
+                  <c:v>1</c:v>
+                </c:pt>
+                <c:pt idx="788">
+                  <c:v>1</c:v>
+                </c:pt>
+                <c:pt idx="789">
+                  <c:v>1</c:v>
+                </c:pt>
+                <c:pt idx="790">
+                  <c:v>1</c:v>
+                </c:pt>
+                <c:pt idx="791">
+                  <c:v>1</c:v>
+                </c:pt>
+                <c:pt idx="792">
+                  <c:v>1</c:v>
+                </c:pt>
+                <c:pt idx="793">
+                  <c:v>1</c:v>
+                </c:pt>
+                <c:pt idx="794">
+                  <c:v>1</c:v>
+                </c:pt>
+                <c:pt idx="795">
+                  <c:v>1</c:v>
+                </c:pt>
+                <c:pt idx="796">
+                  <c:v>1</c:v>
+                </c:pt>
+                <c:pt idx="797">
+                  <c:v>1</c:v>
+                </c:pt>
+                <c:pt idx="798">
+                  <c:v>1</c:v>
+                </c:pt>
+                <c:pt idx="799">
+                  <c:v>1</c:v>
+                </c:pt>
+                <c:pt idx="800">
+                  <c:v>1</c:v>
+                </c:pt>
+                <c:pt idx="801">
+                  <c:v>1</c:v>
+                </c:pt>
+                <c:pt idx="802">
+                  <c:v>1</c:v>
+                </c:pt>
+                <c:pt idx="803">
+                  <c:v>1</c:v>
+                </c:pt>
+                <c:pt idx="804">
+                  <c:v>1</c:v>
+                </c:pt>
+                <c:pt idx="805">
+                  <c:v>1</c:v>
+                </c:pt>
+                <c:pt idx="806">
+                  <c:v>1</c:v>
+                </c:pt>
+                <c:pt idx="807">
+                  <c:v>1</c:v>
+                </c:pt>
+                <c:pt idx="808">
+                  <c:v>1</c:v>
+                </c:pt>
+                <c:pt idx="809">
+                  <c:v>1</c:v>
+                </c:pt>
+                <c:pt idx="810">
+                  <c:v>1</c:v>
+                </c:pt>
+                <c:pt idx="811">
+                  <c:v>1</c:v>
+                </c:pt>
+                <c:pt idx="812">
+                  <c:v>1</c:v>
+                </c:pt>
+                <c:pt idx="813">
+                  <c:v>1</c:v>
+                </c:pt>
+                <c:pt idx="814">
+                  <c:v>1</c:v>
+                </c:pt>
+                <c:pt idx="815">
+                  <c:v>1</c:v>
+                </c:pt>
+                <c:pt idx="816">
+                  <c:v>1</c:v>
+                </c:pt>
+                <c:pt idx="817">
+                  <c:v>1</c:v>
+                </c:pt>
+                <c:pt idx="818">
+                  <c:v>1</c:v>
+                </c:pt>
+                <c:pt idx="819">
+                  <c:v>1</c:v>
+                </c:pt>
+                <c:pt idx="820">
+                  <c:v>1</c:v>
+                </c:pt>
+                <c:pt idx="821">
+                  <c:v>1</c:v>
+                </c:pt>
+                <c:pt idx="822">
+                  <c:v>1</c:v>
+                </c:pt>
+                <c:pt idx="823">
+                  <c:v>1</c:v>
+                </c:pt>
+                <c:pt idx="824">
+                  <c:v>1</c:v>
+                </c:pt>
+                <c:pt idx="825">
+                  <c:v>1</c:v>
+                </c:pt>
+                <c:pt idx="826">
+                  <c:v>1</c:v>
+                </c:pt>
+                <c:pt idx="827">
+                  <c:v>1</c:v>
+                </c:pt>
+                <c:pt idx="828">
+                  <c:v>1</c:v>
+                </c:pt>
+                <c:pt idx="829">
+                  <c:v>1</c:v>
+                </c:pt>
+                <c:pt idx="830">
+                  <c:v>1</c:v>
+                </c:pt>
+                <c:pt idx="831">
+                  <c:v>1</c:v>
+                </c:pt>
+                <c:pt idx="832">
+                  <c:v>1</c:v>
+                </c:pt>
+                <c:pt idx="833">
+                  <c:v>1</c:v>
+                </c:pt>
+                <c:pt idx="834">
+                  <c:v>1</c:v>
+                </c:pt>
+                <c:pt idx="835">
+                  <c:v>1</c:v>
+                </c:pt>
+                <c:pt idx="836">
+                  <c:v>1</c:v>
+                </c:pt>
+                <c:pt idx="837">
+                  <c:v>1</c:v>
+                </c:pt>
+                <c:pt idx="838">
+                  <c:v>1</c:v>
+                </c:pt>
+                <c:pt idx="839">
+                  <c:v>1</c:v>
+                </c:pt>
+                <c:pt idx="840">
+                  <c:v>1</c:v>
+                </c:pt>
+                <c:pt idx="841">
+                  <c:v>1</c:v>
+                </c:pt>
+                <c:pt idx="842">
+                  <c:v>1</c:v>
+                </c:pt>
+                <c:pt idx="843">
+                  <c:v>1</c:v>
+                </c:pt>
+                <c:pt idx="844">
+                  <c:v>1</c:v>
+                </c:pt>
+                <c:pt idx="845">
+                  <c:v>1</c:v>
+                </c:pt>
+                <c:pt idx="846">
+                  <c:v>1</c:v>
+                </c:pt>
+                <c:pt idx="847">
+                  <c:v>1</c:v>
+                </c:pt>
+                <c:pt idx="848">
+                  <c:v>1</c:v>
+                </c:pt>
+                <c:pt idx="849">
+                  <c:v>1</c:v>
+                </c:pt>
+                <c:pt idx="850">
+                  <c:v>1</c:v>
+                </c:pt>
+                <c:pt idx="851">
+                  <c:v>1</c:v>
+                </c:pt>
+                <c:pt idx="852">
+                  <c:v>1</c:v>
+                </c:pt>
+                <c:pt idx="853">
+                  <c:v>1</c:v>
+                </c:pt>
+                <c:pt idx="854">
+                  <c:v>1</c:v>
+                </c:pt>
+                <c:pt idx="855">
+                  <c:v>1</c:v>
+                </c:pt>
+                <c:pt idx="856">
+                  <c:v>1</c:v>
+                </c:pt>
+                <c:pt idx="857">
+                  <c:v>1</c:v>
+                </c:pt>
+                <c:pt idx="858">
+                  <c:v>1</c:v>
+                </c:pt>
+                <c:pt idx="859">
+                  <c:v>1</c:v>
+                </c:pt>
+                <c:pt idx="860">
+                  <c:v>1</c:v>
+                </c:pt>
+                <c:pt idx="861">
+                  <c:v>1</c:v>
+                </c:pt>
+                <c:pt idx="862">
+                  <c:v>1</c:v>
+                </c:pt>
+                <c:pt idx="863">
+                  <c:v>1</c:v>
+                </c:pt>
+                <c:pt idx="864">
+                  <c:v>1</c:v>
+                </c:pt>
+                <c:pt idx="865">
+                  <c:v>1</c:v>
+                </c:pt>
+                <c:pt idx="866">
+                  <c:v>1</c:v>
+                </c:pt>
+                <c:pt idx="867">
                   <c:v>1</c:v>
                 </c:pt>
               </c:numCache>
@@ -2063,11 +2775,2094 @@
           <c:showPercent val="0"/>
           <c:showBubbleSize val="0"/>
         </c:dLbls>
-        <c:axId val="147328960"/>
-        <c:axId val="6268608"/>
+        <c:axId val="64864256"/>
+        <c:axId val="64865984"/>
       </c:scatterChart>
       <c:valAx>
-        <c:axId val="147328960"/>
+        <c:axId val="64864256"/>
+        <c:scaling>
+          <c:orientation val="minMax"/>
+          <c:max val="900"/>
+          <c:min val="0"/>
+        </c:scaling>
+        <c:delete val="0"/>
+        <c:axPos val="b"/>
+        <c:title>
+          <c:tx>
+            <c:rich>
+              <a:bodyPr/>
+              <a:lstStyle/>
+              <a:p>
+                <a:pPr>
+                  <a:defRPr/>
+                </a:pPr>
+                <a:r>
+                  <a:rPr lang="de-DE" b="0">
+                    <a:latin typeface="cmr10" panose="020B0500000000000000" pitchFamily="34" charset="0"/>
+                  </a:rPr>
+                  <a:t>brand</a:t>
+                </a:r>
+              </a:p>
+            </c:rich>
+          </c:tx>
+          <c:layout>
+            <c:manualLayout>
+              <c:xMode val="edge"/>
+              <c:yMode val="edge"/>
+              <c:x val="0.47902256699381873"/>
+              <c:y val="0.87376725838264302"/>
+            </c:manualLayout>
+          </c:layout>
+          <c:overlay val="0"/>
+        </c:title>
+        <c:majorTickMark val="out"/>
+        <c:minorTickMark val="none"/>
+        <c:tickLblPos val="nextTo"/>
+        <c:txPr>
+          <a:bodyPr/>
+          <a:lstStyle/>
+          <a:p>
+            <a:pPr>
+              <a:defRPr>
+                <a:latin typeface="cmr10" panose="020B0500000000000000" pitchFamily="34" charset="0"/>
+              </a:defRPr>
+            </a:pPr>
+            <a:endParaRPr lang="de-DE"/>
+          </a:p>
+        </c:txPr>
+        <c:crossAx val="64865984"/>
+        <c:crossesAt val="1"/>
+        <c:crossBetween val="midCat"/>
+        <c:majorUnit val="200"/>
+      </c:valAx>
+      <c:valAx>
+        <c:axId val="64865984"/>
+        <c:scaling>
+          <c:logBase val="10"/>
+          <c:orientation val="minMax"/>
+          <c:max val="3000"/>
+          <c:min val="1"/>
+        </c:scaling>
+        <c:delete val="0"/>
+        <c:axPos val="l"/>
+        <c:majorGridlines/>
+        <c:title>
+          <c:tx>
+            <c:rich>
+              <a:bodyPr rot="-5400000" vert="horz"/>
+              <a:lstStyle/>
+              <a:p>
+                <a:pPr>
+                  <a:defRPr b="0">
+                    <a:latin typeface="cmr10" panose="020B0500000000000000" pitchFamily="34" charset="0"/>
+                  </a:defRPr>
+                </a:pPr>
+                <a:r>
+                  <a:rPr lang="en-US" b="0">
+                    <a:latin typeface="cmr10" panose="020B0500000000000000" pitchFamily="34" charset="0"/>
+                  </a:rPr>
+                  <a:t>RoIs per brand</a:t>
+                </a:r>
+              </a:p>
+            </c:rich>
+          </c:tx>
+          <c:layout/>
+          <c:overlay val="0"/>
+        </c:title>
+        <c:numFmt formatCode="General" sourceLinked="1"/>
+        <c:majorTickMark val="out"/>
+        <c:minorTickMark val="none"/>
+        <c:tickLblPos val="nextTo"/>
+        <c:txPr>
+          <a:bodyPr/>
+          <a:lstStyle/>
+          <a:p>
+            <a:pPr>
+              <a:defRPr>
+                <a:solidFill>
+                  <a:schemeClr val="tx1"/>
+                </a:solidFill>
+                <a:latin typeface="cmr10" panose="020B0500000000000000" pitchFamily="34" charset="0"/>
+              </a:defRPr>
+            </a:pPr>
+            <a:endParaRPr lang="de-DE"/>
+          </a:p>
+        </c:txPr>
+        <c:crossAx val="64864256"/>
+        <c:crosses val="autoZero"/>
+        <c:crossBetween val="midCat"/>
+      </c:valAx>
+    </c:plotArea>
+    <c:plotVisOnly val="1"/>
+    <c:dispBlanksAs val="gap"/>
+    <c:showDLblsOverMax val="0"/>
+  </c:chart>
+  <c:externalData r:id="rId1">
+    <c:autoUpdate val="0"/>
+  </c:externalData>
+</c:chartSpace>
+</file>
+
+<file path=ppt/charts/chart2.xml><?xml version="1.0" encoding="utf-8"?>
+<c:chartSpace xmlns:c="http://schemas.openxmlformats.org/drawingml/2006/chart" xmlns:a="http://schemas.openxmlformats.org/drawingml/2006/main" xmlns:r="http://schemas.openxmlformats.org/officeDocument/2006/relationships">
+  <c:date1904 val="0"/>
+  <c:lang val="de-DE"/>
+  <c:roundedCorners val="0"/>
+  <mc:AlternateContent xmlns:mc="http://schemas.openxmlformats.org/markup-compatibility/2006">
+    <mc:Choice xmlns:c14="http://schemas.microsoft.com/office/drawing/2007/8/2/chart" Requires="c14">
+      <c14:style val="102"/>
+    </mc:Choice>
+    <mc:Fallback>
+      <c:style val="2"/>
+    </mc:Fallback>
+  </mc:AlternateContent>
+  <c:chart>
+    <c:autoTitleDeleted val="0"/>
+    <c:plotArea>
+      <c:layout>
+        <c:manualLayout>
+          <c:layoutTarget val="inner"/>
+          <c:xMode val="edge"/>
+          <c:yMode val="edge"/>
+          <c:x val="0.18952812982535983"/>
+          <c:y val="3.9447731755424063E-2"/>
+          <c:w val="0.71786775721972984"/>
+          <c:h val="0.67675347222222226"/>
+        </c:manualLayout>
+      </c:layout>
+      <c:scatterChart>
+        <c:scatterStyle val="lineMarker"/>
+        <c:varyColors val="0"/>
+        <c:ser>
+          <c:idx val="0"/>
+          <c:order val="0"/>
+          <c:spPr>
+            <a:ln w="25400">
+              <a:solidFill>
+                <a:srgbClr val="0066FF"/>
+              </a:solidFill>
+            </a:ln>
+          </c:spPr>
+          <c:marker>
+            <c:symbol val="none"/>
+          </c:marker>
+          <c:yVal>
+            <c:numRef>
+              <c:f>frequencies!$A$1:$ARV$1</c:f>
+              <c:numCache>
+                <c:formatCode>General</c:formatCode>
+                <c:ptCount val="1166"/>
+                <c:pt idx="0">
+                  <c:v>807</c:v>
+                </c:pt>
+                <c:pt idx="1">
+                  <c:v>693</c:v>
+                </c:pt>
+                <c:pt idx="2">
+                  <c:v>687</c:v>
+                </c:pt>
+                <c:pt idx="3">
+                  <c:v>683</c:v>
+                </c:pt>
+                <c:pt idx="4">
+                  <c:v>456</c:v>
+                </c:pt>
+                <c:pt idx="5">
+                  <c:v>455</c:v>
+                </c:pt>
+                <c:pt idx="6">
+                  <c:v>434</c:v>
+                </c:pt>
+                <c:pt idx="7">
+                  <c:v>433</c:v>
+                </c:pt>
+                <c:pt idx="8">
+                  <c:v>425</c:v>
+                </c:pt>
+                <c:pt idx="9">
+                  <c:v>413</c:v>
+                </c:pt>
+                <c:pt idx="10">
+                  <c:v>394</c:v>
+                </c:pt>
+                <c:pt idx="11">
+                  <c:v>387</c:v>
+                </c:pt>
+                <c:pt idx="12">
+                  <c:v>375</c:v>
+                </c:pt>
+                <c:pt idx="13">
+                  <c:v>334</c:v>
+                </c:pt>
+                <c:pt idx="14">
+                  <c:v>310</c:v>
+                </c:pt>
+                <c:pt idx="15">
+                  <c:v>310</c:v>
+                </c:pt>
+                <c:pt idx="16">
+                  <c:v>299</c:v>
+                </c:pt>
+                <c:pt idx="17">
+                  <c:v>290</c:v>
+                </c:pt>
+                <c:pt idx="18">
+                  <c:v>271</c:v>
+                </c:pt>
+                <c:pt idx="19">
+                  <c:v>270</c:v>
+                </c:pt>
+                <c:pt idx="20">
+                  <c:v>258</c:v>
+                </c:pt>
+                <c:pt idx="21">
+                  <c:v>237</c:v>
+                </c:pt>
+                <c:pt idx="22">
+                  <c:v>232</c:v>
+                </c:pt>
+                <c:pt idx="23">
+                  <c:v>225</c:v>
+                </c:pt>
+                <c:pt idx="24">
+                  <c:v>223</c:v>
+                </c:pt>
+                <c:pt idx="25">
+                  <c:v>212</c:v>
+                </c:pt>
+                <c:pt idx="26">
+                  <c:v>208</c:v>
+                </c:pt>
+                <c:pt idx="27">
+                  <c:v>206</c:v>
+                </c:pt>
+                <c:pt idx="28">
+                  <c:v>192</c:v>
+                </c:pt>
+                <c:pt idx="29">
+                  <c:v>179</c:v>
+                </c:pt>
+                <c:pt idx="30">
+                  <c:v>167</c:v>
+                </c:pt>
+                <c:pt idx="31">
+                  <c:v>161</c:v>
+                </c:pt>
+                <c:pt idx="32">
+                  <c:v>158</c:v>
+                </c:pt>
+                <c:pt idx="33">
+                  <c:v>154</c:v>
+                </c:pt>
+                <c:pt idx="34">
+                  <c:v>153</c:v>
+                </c:pt>
+                <c:pt idx="35">
+                  <c:v>147</c:v>
+                </c:pt>
+                <c:pt idx="36">
+                  <c:v>145</c:v>
+                </c:pt>
+                <c:pt idx="37">
+                  <c:v>140</c:v>
+                </c:pt>
+                <c:pt idx="38">
+                  <c:v>138</c:v>
+                </c:pt>
+                <c:pt idx="39">
+                  <c:v>116</c:v>
+                </c:pt>
+                <c:pt idx="40">
+                  <c:v>113</c:v>
+                </c:pt>
+                <c:pt idx="41">
+                  <c:v>108</c:v>
+                </c:pt>
+                <c:pt idx="42">
+                  <c:v>99</c:v>
+                </c:pt>
+                <c:pt idx="43">
+                  <c:v>98</c:v>
+                </c:pt>
+                <c:pt idx="44">
+                  <c:v>94</c:v>
+                </c:pt>
+                <c:pt idx="45">
+                  <c:v>91</c:v>
+                </c:pt>
+                <c:pt idx="46">
+                  <c:v>87</c:v>
+                </c:pt>
+                <c:pt idx="47">
+                  <c:v>85</c:v>
+                </c:pt>
+                <c:pt idx="48">
+                  <c:v>84</c:v>
+                </c:pt>
+                <c:pt idx="49">
+                  <c:v>83</c:v>
+                </c:pt>
+                <c:pt idx="50">
+                  <c:v>82</c:v>
+                </c:pt>
+                <c:pt idx="51">
+                  <c:v>77</c:v>
+                </c:pt>
+                <c:pt idx="52">
+                  <c:v>76</c:v>
+                </c:pt>
+                <c:pt idx="53">
+                  <c:v>70</c:v>
+                </c:pt>
+                <c:pt idx="54">
+                  <c:v>68</c:v>
+                </c:pt>
+                <c:pt idx="55">
+                  <c:v>68</c:v>
+                </c:pt>
+                <c:pt idx="56">
+                  <c:v>65</c:v>
+                </c:pt>
+                <c:pt idx="57">
+                  <c:v>62</c:v>
+                </c:pt>
+                <c:pt idx="58">
+                  <c:v>62</c:v>
+                </c:pt>
+                <c:pt idx="59">
+                  <c:v>61</c:v>
+                </c:pt>
+                <c:pt idx="60">
+                  <c:v>59</c:v>
+                </c:pt>
+                <c:pt idx="61">
+                  <c:v>58</c:v>
+                </c:pt>
+                <c:pt idx="62">
+                  <c:v>57</c:v>
+                </c:pt>
+                <c:pt idx="63">
+                  <c:v>56</c:v>
+                </c:pt>
+                <c:pt idx="64">
+                  <c:v>56</c:v>
+                </c:pt>
+                <c:pt idx="65">
+                  <c:v>54</c:v>
+                </c:pt>
+                <c:pt idx="66">
+                  <c:v>52</c:v>
+                </c:pt>
+                <c:pt idx="67">
+                  <c:v>51</c:v>
+                </c:pt>
+                <c:pt idx="68">
+                  <c:v>51</c:v>
+                </c:pt>
+                <c:pt idx="69">
+                  <c:v>50</c:v>
+                </c:pt>
+                <c:pt idx="70">
+                  <c:v>50</c:v>
+                </c:pt>
+                <c:pt idx="71">
+                  <c:v>49</c:v>
+                </c:pt>
+                <c:pt idx="72">
+                  <c:v>48</c:v>
+                </c:pt>
+                <c:pt idx="73">
+                  <c:v>47</c:v>
+                </c:pt>
+                <c:pt idx="74">
+                  <c:v>46</c:v>
+                </c:pt>
+                <c:pt idx="75">
+                  <c:v>46</c:v>
+                </c:pt>
+                <c:pt idx="76">
+                  <c:v>46</c:v>
+                </c:pt>
+                <c:pt idx="77">
+                  <c:v>45</c:v>
+                </c:pt>
+                <c:pt idx="78">
+                  <c:v>44</c:v>
+                </c:pt>
+                <c:pt idx="79">
+                  <c:v>42</c:v>
+                </c:pt>
+                <c:pt idx="80">
+                  <c:v>41</c:v>
+                </c:pt>
+                <c:pt idx="81">
+                  <c:v>40</c:v>
+                </c:pt>
+                <c:pt idx="82">
+                  <c:v>39</c:v>
+                </c:pt>
+                <c:pt idx="83">
+                  <c:v>39</c:v>
+                </c:pt>
+                <c:pt idx="84">
+                  <c:v>38</c:v>
+                </c:pt>
+                <c:pt idx="85">
+                  <c:v>38</c:v>
+                </c:pt>
+                <c:pt idx="86">
+                  <c:v>37</c:v>
+                </c:pt>
+                <c:pt idx="87">
+                  <c:v>37</c:v>
+                </c:pt>
+                <c:pt idx="88">
+                  <c:v>36</c:v>
+                </c:pt>
+                <c:pt idx="89">
+                  <c:v>36</c:v>
+                </c:pt>
+                <c:pt idx="90">
+                  <c:v>35</c:v>
+                </c:pt>
+                <c:pt idx="91">
+                  <c:v>34</c:v>
+                </c:pt>
+                <c:pt idx="92">
+                  <c:v>33</c:v>
+                </c:pt>
+                <c:pt idx="93">
+                  <c:v>32</c:v>
+                </c:pt>
+                <c:pt idx="94">
+                  <c:v>31</c:v>
+                </c:pt>
+                <c:pt idx="95">
+                  <c:v>30</c:v>
+                </c:pt>
+                <c:pt idx="96">
+                  <c:v>30</c:v>
+                </c:pt>
+                <c:pt idx="97">
+                  <c:v>29</c:v>
+                </c:pt>
+                <c:pt idx="98">
+                  <c:v>29</c:v>
+                </c:pt>
+                <c:pt idx="99">
+                  <c:v>28</c:v>
+                </c:pt>
+                <c:pt idx="100">
+                  <c:v>27</c:v>
+                </c:pt>
+                <c:pt idx="101">
+                  <c:v>27</c:v>
+                </c:pt>
+                <c:pt idx="102">
+                  <c:v>27</c:v>
+                </c:pt>
+                <c:pt idx="103">
+                  <c:v>26</c:v>
+                </c:pt>
+                <c:pt idx="104">
+                  <c:v>26</c:v>
+                </c:pt>
+                <c:pt idx="105">
+                  <c:v>26</c:v>
+                </c:pt>
+                <c:pt idx="106">
+                  <c:v>26</c:v>
+                </c:pt>
+                <c:pt idx="107">
+                  <c:v>25</c:v>
+                </c:pt>
+                <c:pt idx="108">
+                  <c:v>24</c:v>
+                </c:pt>
+                <c:pt idx="109">
+                  <c:v>24</c:v>
+                </c:pt>
+                <c:pt idx="110">
+                  <c:v>22</c:v>
+                </c:pt>
+                <c:pt idx="111">
+                  <c:v>22</c:v>
+                </c:pt>
+                <c:pt idx="112">
+                  <c:v>22</c:v>
+                </c:pt>
+                <c:pt idx="113">
+                  <c:v>21</c:v>
+                </c:pt>
+                <c:pt idx="114">
+                  <c:v>21</c:v>
+                </c:pt>
+                <c:pt idx="115">
+                  <c:v>21</c:v>
+                </c:pt>
+                <c:pt idx="116">
+                  <c:v>21</c:v>
+                </c:pt>
+                <c:pt idx="117">
+                  <c:v>20</c:v>
+                </c:pt>
+                <c:pt idx="118">
+                  <c:v>19</c:v>
+                </c:pt>
+                <c:pt idx="119">
+                  <c:v>18</c:v>
+                </c:pt>
+                <c:pt idx="120">
+                  <c:v>18</c:v>
+                </c:pt>
+                <c:pt idx="121">
+                  <c:v>17</c:v>
+                </c:pt>
+                <c:pt idx="122">
+                  <c:v>17</c:v>
+                </c:pt>
+                <c:pt idx="123">
+                  <c:v>17</c:v>
+                </c:pt>
+                <c:pt idx="124">
+                  <c:v>16</c:v>
+                </c:pt>
+                <c:pt idx="125">
+                  <c:v>15</c:v>
+                </c:pt>
+                <c:pt idx="126">
+                  <c:v>15</c:v>
+                </c:pt>
+                <c:pt idx="127">
+                  <c:v>15</c:v>
+                </c:pt>
+                <c:pt idx="128">
+                  <c:v>15</c:v>
+                </c:pt>
+                <c:pt idx="129">
+                  <c:v>15</c:v>
+                </c:pt>
+                <c:pt idx="130">
+                  <c:v>15</c:v>
+                </c:pt>
+                <c:pt idx="131">
+                  <c:v>15</c:v>
+                </c:pt>
+                <c:pt idx="132">
+                  <c:v>15</c:v>
+                </c:pt>
+                <c:pt idx="133">
+                  <c:v>14</c:v>
+                </c:pt>
+                <c:pt idx="134">
+                  <c:v>13</c:v>
+                </c:pt>
+                <c:pt idx="135">
+                  <c:v>13</c:v>
+                </c:pt>
+                <c:pt idx="136">
+                  <c:v>13</c:v>
+                </c:pt>
+                <c:pt idx="137">
+                  <c:v>13</c:v>
+                </c:pt>
+                <c:pt idx="138">
+                  <c:v>13</c:v>
+                </c:pt>
+                <c:pt idx="139">
+                  <c:v>13</c:v>
+                </c:pt>
+                <c:pt idx="140">
+                  <c:v>12</c:v>
+                </c:pt>
+                <c:pt idx="141">
+                  <c:v>12</c:v>
+                </c:pt>
+                <c:pt idx="142">
+                  <c:v>12</c:v>
+                </c:pt>
+                <c:pt idx="143">
+                  <c:v>12</c:v>
+                </c:pt>
+                <c:pt idx="144">
+                  <c:v>11</c:v>
+                </c:pt>
+                <c:pt idx="145">
+                  <c:v>11</c:v>
+                </c:pt>
+                <c:pt idx="146">
+                  <c:v>11</c:v>
+                </c:pt>
+                <c:pt idx="147">
+                  <c:v>11</c:v>
+                </c:pt>
+                <c:pt idx="148">
+                  <c:v>10</c:v>
+                </c:pt>
+                <c:pt idx="149">
+                  <c:v>9</c:v>
+                </c:pt>
+                <c:pt idx="150">
+                  <c:v>9</c:v>
+                </c:pt>
+                <c:pt idx="151">
+                  <c:v>9</c:v>
+                </c:pt>
+                <c:pt idx="152">
+                  <c:v>9</c:v>
+                </c:pt>
+                <c:pt idx="153">
+                  <c:v>9</c:v>
+                </c:pt>
+                <c:pt idx="154">
+                  <c:v>9</c:v>
+                </c:pt>
+                <c:pt idx="155">
+                  <c:v>9</c:v>
+                </c:pt>
+                <c:pt idx="156">
+                  <c:v>8</c:v>
+                </c:pt>
+                <c:pt idx="157">
+                  <c:v>8</c:v>
+                </c:pt>
+                <c:pt idx="158">
+                  <c:v>8</c:v>
+                </c:pt>
+                <c:pt idx="159">
+                  <c:v>8</c:v>
+                </c:pt>
+                <c:pt idx="160">
+                  <c:v>8</c:v>
+                </c:pt>
+                <c:pt idx="161">
+                  <c:v>8</c:v>
+                </c:pt>
+                <c:pt idx="162">
+                  <c:v>8</c:v>
+                </c:pt>
+                <c:pt idx="163">
+                  <c:v>8</c:v>
+                </c:pt>
+                <c:pt idx="164">
+                  <c:v>8</c:v>
+                </c:pt>
+                <c:pt idx="165">
+                  <c:v>8</c:v>
+                </c:pt>
+                <c:pt idx="166">
+                  <c:v>8</c:v>
+                </c:pt>
+                <c:pt idx="167">
+                  <c:v>8</c:v>
+                </c:pt>
+                <c:pt idx="168">
+                  <c:v>7</c:v>
+                </c:pt>
+                <c:pt idx="169">
+                  <c:v>7</c:v>
+                </c:pt>
+                <c:pt idx="170">
+                  <c:v>7</c:v>
+                </c:pt>
+                <c:pt idx="171">
+                  <c:v>7</c:v>
+                </c:pt>
+                <c:pt idx="172">
+                  <c:v>7</c:v>
+                </c:pt>
+                <c:pt idx="173">
+                  <c:v>7</c:v>
+                </c:pt>
+                <c:pt idx="174">
+                  <c:v>7</c:v>
+                </c:pt>
+                <c:pt idx="175">
+                  <c:v>7</c:v>
+                </c:pt>
+                <c:pt idx="176">
+                  <c:v>7</c:v>
+                </c:pt>
+                <c:pt idx="177">
+                  <c:v>7</c:v>
+                </c:pt>
+                <c:pt idx="178">
+                  <c:v>7</c:v>
+                </c:pt>
+                <c:pt idx="179">
+                  <c:v>7</c:v>
+                </c:pt>
+                <c:pt idx="180">
+                  <c:v>7</c:v>
+                </c:pt>
+                <c:pt idx="181">
+                  <c:v>6</c:v>
+                </c:pt>
+                <c:pt idx="182">
+                  <c:v>6</c:v>
+                </c:pt>
+                <c:pt idx="183">
+                  <c:v>6</c:v>
+                </c:pt>
+                <c:pt idx="184">
+                  <c:v>6</c:v>
+                </c:pt>
+                <c:pt idx="185">
+                  <c:v>6</c:v>
+                </c:pt>
+                <c:pt idx="186">
+                  <c:v>6</c:v>
+                </c:pt>
+                <c:pt idx="187">
+                  <c:v>6</c:v>
+                </c:pt>
+                <c:pt idx="188">
+                  <c:v>6</c:v>
+                </c:pt>
+                <c:pt idx="189">
+                  <c:v>6</c:v>
+                </c:pt>
+                <c:pt idx="190">
+                  <c:v>6</c:v>
+                </c:pt>
+                <c:pt idx="191">
+                  <c:v>6</c:v>
+                </c:pt>
+                <c:pt idx="192">
+                  <c:v>6</c:v>
+                </c:pt>
+                <c:pt idx="193">
+                  <c:v>6</c:v>
+                </c:pt>
+                <c:pt idx="194">
+                  <c:v>6</c:v>
+                </c:pt>
+                <c:pt idx="195">
+                  <c:v>6</c:v>
+                </c:pt>
+                <c:pt idx="196">
+                  <c:v>6</c:v>
+                </c:pt>
+                <c:pt idx="197">
+                  <c:v>6</c:v>
+                </c:pt>
+                <c:pt idx="198">
+                  <c:v>5</c:v>
+                </c:pt>
+                <c:pt idx="199">
+                  <c:v>5</c:v>
+                </c:pt>
+                <c:pt idx="200">
+                  <c:v>5</c:v>
+                </c:pt>
+                <c:pt idx="201">
+                  <c:v>5</c:v>
+                </c:pt>
+                <c:pt idx="202">
+                  <c:v>5</c:v>
+                </c:pt>
+                <c:pt idx="203">
+                  <c:v>5</c:v>
+                </c:pt>
+                <c:pt idx="204">
+                  <c:v>5</c:v>
+                </c:pt>
+                <c:pt idx="205">
+                  <c:v>5</c:v>
+                </c:pt>
+                <c:pt idx="206">
+                  <c:v>5</c:v>
+                </c:pt>
+                <c:pt idx="207">
+                  <c:v>5</c:v>
+                </c:pt>
+                <c:pt idx="208">
+                  <c:v>5</c:v>
+                </c:pt>
+                <c:pt idx="209">
+                  <c:v>5</c:v>
+                </c:pt>
+                <c:pt idx="210">
+                  <c:v>5</c:v>
+                </c:pt>
+                <c:pt idx="211">
+                  <c:v>5</c:v>
+                </c:pt>
+                <c:pt idx="212">
+                  <c:v>5</c:v>
+                </c:pt>
+                <c:pt idx="213">
+                  <c:v>5</c:v>
+                </c:pt>
+                <c:pt idx="214">
+                  <c:v>5</c:v>
+                </c:pt>
+                <c:pt idx="215">
+                  <c:v>5</c:v>
+                </c:pt>
+                <c:pt idx="216">
+                  <c:v>4</c:v>
+                </c:pt>
+                <c:pt idx="217">
+                  <c:v>4</c:v>
+                </c:pt>
+                <c:pt idx="218">
+                  <c:v>4</c:v>
+                </c:pt>
+                <c:pt idx="219">
+                  <c:v>4</c:v>
+                </c:pt>
+                <c:pt idx="220">
+                  <c:v>4</c:v>
+                </c:pt>
+                <c:pt idx="221">
+                  <c:v>4</c:v>
+                </c:pt>
+                <c:pt idx="222">
+                  <c:v>4</c:v>
+                </c:pt>
+                <c:pt idx="223">
+                  <c:v>4</c:v>
+                </c:pt>
+                <c:pt idx="224">
+                  <c:v>4</c:v>
+                </c:pt>
+                <c:pt idx="225">
+                  <c:v>4</c:v>
+                </c:pt>
+                <c:pt idx="226">
+                  <c:v>4</c:v>
+                </c:pt>
+                <c:pt idx="227">
+                  <c:v>4</c:v>
+                </c:pt>
+                <c:pt idx="228">
+                  <c:v>4</c:v>
+                </c:pt>
+                <c:pt idx="229">
+                  <c:v>4</c:v>
+                </c:pt>
+                <c:pt idx="230">
+                  <c:v>4</c:v>
+                </c:pt>
+                <c:pt idx="231">
+                  <c:v>4</c:v>
+                </c:pt>
+                <c:pt idx="232">
+                  <c:v>4</c:v>
+                </c:pt>
+                <c:pt idx="233">
+                  <c:v>4</c:v>
+                </c:pt>
+                <c:pt idx="234">
+                  <c:v>4</c:v>
+                </c:pt>
+                <c:pt idx="235">
+                  <c:v>4</c:v>
+                </c:pt>
+                <c:pt idx="236">
+                  <c:v>4</c:v>
+                </c:pt>
+                <c:pt idx="237">
+                  <c:v>4</c:v>
+                </c:pt>
+                <c:pt idx="238">
+                  <c:v>4</c:v>
+                </c:pt>
+                <c:pt idx="239">
+                  <c:v>4</c:v>
+                </c:pt>
+                <c:pt idx="240">
+                  <c:v>4</c:v>
+                </c:pt>
+                <c:pt idx="241">
+                  <c:v>4</c:v>
+                </c:pt>
+                <c:pt idx="242">
+                  <c:v>4</c:v>
+                </c:pt>
+                <c:pt idx="243">
+                  <c:v>4</c:v>
+                </c:pt>
+                <c:pt idx="244">
+                  <c:v>4</c:v>
+                </c:pt>
+                <c:pt idx="245">
+                  <c:v>4</c:v>
+                </c:pt>
+                <c:pt idx="246">
+                  <c:v>4</c:v>
+                </c:pt>
+                <c:pt idx="247">
+                  <c:v>3</c:v>
+                </c:pt>
+                <c:pt idx="248">
+                  <c:v>3</c:v>
+                </c:pt>
+                <c:pt idx="249">
+                  <c:v>3</c:v>
+                </c:pt>
+                <c:pt idx="250">
+                  <c:v>3</c:v>
+                </c:pt>
+                <c:pt idx="251">
+                  <c:v>3</c:v>
+                </c:pt>
+                <c:pt idx="252">
+                  <c:v>3</c:v>
+                </c:pt>
+                <c:pt idx="253">
+                  <c:v>3</c:v>
+                </c:pt>
+                <c:pt idx="254">
+                  <c:v>3</c:v>
+                </c:pt>
+                <c:pt idx="255">
+                  <c:v>3</c:v>
+                </c:pt>
+                <c:pt idx="256">
+                  <c:v>3</c:v>
+                </c:pt>
+                <c:pt idx="257">
+                  <c:v>3</c:v>
+                </c:pt>
+                <c:pt idx="258">
+                  <c:v>3</c:v>
+                </c:pt>
+                <c:pt idx="259">
+                  <c:v>3</c:v>
+                </c:pt>
+                <c:pt idx="260">
+                  <c:v>3</c:v>
+                </c:pt>
+                <c:pt idx="261">
+                  <c:v>3</c:v>
+                </c:pt>
+                <c:pt idx="262">
+                  <c:v>3</c:v>
+                </c:pt>
+                <c:pt idx="263">
+                  <c:v>3</c:v>
+                </c:pt>
+                <c:pt idx="264">
+                  <c:v>3</c:v>
+                </c:pt>
+                <c:pt idx="265">
+                  <c:v>3</c:v>
+                </c:pt>
+                <c:pt idx="266">
+                  <c:v>3</c:v>
+                </c:pt>
+                <c:pt idx="267">
+                  <c:v>3</c:v>
+                </c:pt>
+                <c:pt idx="268">
+                  <c:v>3</c:v>
+                </c:pt>
+                <c:pt idx="269">
+                  <c:v>3</c:v>
+                </c:pt>
+                <c:pt idx="270">
+                  <c:v>3</c:v>
+                </c:pt>
+                <c:pt idx="271">
+                  <c:v>3</c:v>
+                </c:pt>
+                <c:pt idx="272">
+                  <c:v>3</c:v>
+                </c:pt>
+                <c:pt idx="273">
+                  <c:v>3</c:v>
+                </c:pt>
+                <c:pt idx="274">
+                  <c:v>3</c:v>
+                </c:pt>
+                <c:pt idx="275">
+                  <c:v>3</c:v>
+                </c:pt>
+                <c:pt idx="276">
+                  <c:v>3</c:v>
+                </c:pt>
+                <c:pt idx="277">
+                  <c:v>3</c:v>
+                </c:pt>
+                <c:pt idx="278">
+                  <c:v>3</c:v>
+                </c:pt>
+                <c:pt idx="279">
+                  <c:v>3</c:v>
+                </c:pt>
+                <c:pt idx="280">
+                  <c:v>3</c:v>
+                </c:pt>
+                <c:pt idx="281">
+                  <c:v>3</c:v>
+                </c:pt>
+                <c:pt idx="282">
+                  <c:v>3</c:v>
+                </c:pt>
+                <c:pt idx="283">
+                  <c:v>3</c:v>
+                </c:pt>
+                <c:pt idx="284">
+                  <c:v>3</c:v>
+                </c:pt>
+                <c:pt idx="285">
+                  <c:v>3</c:v>
+                </c:pt>
+                <c:pt idx="286">
+                  <c:v>3</c:v>
+                </c:pt>
+                <c:pt idx="287">
+                  <c:v>3</c:v>
+                </c:pt>
+                <c:pt idx="288">
+                  <c:v>3</c:v>
+                </c:pt>
+                <c:pt idx="289">
+                  <c:v>3</c:v>
+                </c:pt>
+                <c:pt idx="290">
+                  <c:v>3</c:v>
+                </c:pt>
+                <c:pt idx="291">
+                  <c:v>3</c:v>
+                </c:pt>
+                <c:pt idx="292">
+                  <c:v>3</c:v>
+                </c:pt>
+                <c:pt idx="293">
+                  <c:v>3</c:v>
+                </c:pt>
+                <c:pt idx="294">
+                  <c:v>3</c:v>
+                </c:pt>
+                <c:pt idx="295">
+                  <c:v>3</c:v>
+                </c:pt>
+                <c:pt idx="296">
+                  <c:v>3</c:v>
+                </c:pt>
+                <c:pt idx="297">
+                  <c:v>3</c:v>
+                </c:pt>
+                <c:pt idx="298">
+                  <c:v>3</c:v>
+                </c:pt>
+                <c:pt idx="299">
+                  <c:v>3</c:v>
+                </c:pt>
+                <c:pt idx="300">
+                  <c:v>3</c:v>
+                </c:pt>
+                <c:pt idx="301">
+                  <c:v>3</c:v>
+                </c:pt>
+                <c:pt idx="302">
+                  <c:v>3</c:v>
+                </c:pt>
+                <c:pt idx="303">
+                  <c:v>3</c:v>
+                </c:pt>
+                <c:pt idx="304">
+                  <c:v>3</c:v>
+                </c:pt>
+                <c:pt idx="305">
+                  <c:v>3</c:v>
+                </c:pt>
+                <c:pt idx="306">
+                  <c:v>3</c:v>
+                </c:pt>
+                <c:pt idx="307">
+                  <c:v>3</c:v>
+                </c:pt>
+                <c:pt idx="308">
+                  <c:v>3</c:v>
+                </c:pt>
+                <c:pt idx="309">
+                  <c:v>3</c:v>
+                </c:pt>
+                <c:pt idx="310">
+                  <c:v>3</c:v>
+                </c:pt>
+                <c:pt idx="311">
+                  <c:v>3</c:v>
+                </c:pt>
+                <c:pt idx="312">
+                  <c:v>3</c:v>
+                </c:pt>
+                <c:pt idx="313">
+                  <c:v>3</c:v>
+                </c:pt>
+                <c:pt idx="314">
+                  <c:v>3</c:v>
+                </c:pt>
+                <c:pt idx="315">
+                  <c:v>3</c:v>
+                </c:pt>
+                <c:pt idx="316">
+                  <c:v>3</c:v>
+                </c:pt>
+                <c:pt idx="317">
+                  <c:v>3</c:v>
+                </c:pt>
+                <c:pt idx="318">
+                  <c:v>3</c:v>
+                </c:pt>
+                <c:pt idx="319">
+                  <c:v>3</c:v>
+                </c:pt>
+                <c:pt idx="320">
+                  <c:v>2</c:v>
+                </c:pt>
+                <c:pt idx="321">
+                  <c:v>2</c:v>
+                </c:pt>
+                <c:pt idx="322">
+                  <c:v>2</c:v>
+                </c:pt>
+                <c:pt idx="323">
+                  <c:v>2</c:v>
+                </c:pt>
+                <c:pt idx="324">
+                  <c:v>2</c:v>
+                </c:pt>
+                <c:pt idx="325">
+                  <c:v>2</c:v>
+                </c:pt>
+                <c:pt idx="326">
+                  <c:v>2</c:v>
+                </c:pt>
+                <c:pt idx="327">
+                  <c:v>2</c:v>
+                </c:pt>
+                <c:pt idx="328">
+                  <c:v>2</c:v>
+                </c:pt>
+                <c:pt idx="329">
+                  <c:v>2</c:v>
+                </c:pt>
+                <c:pt idx="330">
+                  <c:v>2</c:v>
+                </c:pt>
+                <c:pt idx="331">
+                  <c:v>2</c:v>
+                </c:pt>
+                <c:pt idx="332">
+                  <c:v>2</c:v>
+                </c:pt>
+                <c:pt idx="333">
+                  <c:v>2</c:v>
+                </c:pt>
+                <c:pt idx="334">
+                  <c:v>2</c:v>
+                </c:pt>
+                <c:pt idx="335">
+                  <c:v>2</c:v>
+                </c:pt>
+                <c:pt idx="336">
+                  <c:v>2</c:v>
+                </c:pt>
+                <c:pt idx="337">
+                  <c:v>2</c:v>
+                </c:pt>
+                <c:pt idx="338">
+                  <c:v>2</c:v>
+                </c:pt>
+                <c:pt idx="339">
+                  <c:v>2</c:v>
+                </c:pt>
+                <c:pt idx="340">
+                  <c:v>2</c:v>
+                </c:pt>
+                <c:pt idx="341">
+                  <c:v>2</c:v>
+                </c:pt>
+                <c:pt idx="342">
+                  <c:v>2</c:v>
+                </c:pt>
+                <c:pt idx="343">
+                  <c:v>2</c:v>
+                </c:pt>
+                <c:pt idx="344">
+                  <c:v>2</c:v>
+                </c:pt>
+                <c:pt idx="345">
+                  <c:v>2</c:v>
+                </c:pt>
+                <c:pt idx="346">
+                  <c:v>2</c:v>
+                </c:pt>
+                <c:pt idx="347">
+                  <c:v>2</c:v>
+                </c:pt>
+                <c:pt idx="348">
+                  <c:v>2</c:v>
+                </c:pt>
+                <c:pt idx="349">
+                  <c:v>2</c:v>
+                </c:pt>
+                <c:pt idx="350">
+                  <c:v>2</c:v>
+                </c:pt>
+                <c:pt idx="351">
+                  <c:v>2</c:v>
+                </c:pt>
+                <c:pt idx="352">
+                  <c:v>2</c:v>
+                </c:pt>
+                <c:pt idx="353">
+                  <c:v>2</c:v>
+                </c:pt>
+                <c:pt idx="354">
+                  <c:v>2</c:v>
+                </c:pt>
+                <c:pt idx="355">
+                  <c:v>2</c:v>
+                </c:pt>
+                <c:pt idx="356">
+                  <c:v>2</c:v>
+                </c:pt>
+                <c:pt idx="357">
+                  <c:v>2</c:v>
+                </c:pt>
+                <c:pt idx="358">
+                  <c:v>2</c:v>
+                </c:pt>
+                <c:pt idx="359">
+                  <c:v>2</c:v>
+                </c:pt>
+                <c:pt idx="360">
+                  <c:v>2</c:v>
+                </c:pt>
+                <c:pt idx="361">
+                  <c:v>2</c:v>
+                </c:pt>
+                <c:pt idx="362">
+                  <c:v>2</c:v>
+                </c:pt>
+                <c:pt idx="363">
+                  <c:v>2</c:v>
+                </c:pt>
+                <c:pt idx="364">
+                  <c:v>2</c:v>
+                </c:pt>
+                <c:pt idx="365">
+                  <c:v>2</c:v>
+                </c:pt>
+                <c:pt idx="366">
+                  <c:v>2</c:v>
+                </c:pt>
+                <c:pt idx="367">
+                  <c:v>2</c:v>
+                </c:pt>
+                <c:pt idx="368">
+                  <c:v>2</c:v>
+                </c:pt>
+                <c:pt idx="369">
+                  <c:v>2</c:v>
+                </c:pt>
+                <c:pt idx="370">
+                  <c:v>2</c:v>
+                </c:pt>
+                <c:pt idx="371">
+                  <c:v>2</c:v>
+                </c:pt>
+                <c:pt idx="372">
+                  <c:v>2</c:v>
+                </c:pt>
+                <c:pt idx="373">
+                  <c:v>2</c:v>
+                </c:pt>
+                <c:pt idx="374">
+                  <c:v>2</c:v>
+                </c:pt>
+                <c:pt idx="375">
+                  <c:v>2</c:v>
+                </c:pt>
+                <c:pt idx="376">
+                  <c:v>2</c:v>
+                </c:pt>
+                <c:pt idx="377">
+                  <c:v>2</c:v>
+                </c:pt>
+                <c:pt idx="378">
+                  <c:v>2</c:v>
+                </c:pt>
+                <c:pt idx="379">
+                  <c:v>2</c:v>
+                </c:pt>
+                <c:pt idx="380">
+                  <c:v>2</c:v>
+                </c:pt>
+                <c:pt idx="381">
+                  <c:v>2</c:v>
+                </c:pt>
+                <c:pt idx="382">
+                  <c:v>2</c:v>
+                </c:pt>
+                <c:pt idx="383">
+                  <c:v>2</c:v>
+                </c:pt>
+                <c:pt idx="384">
+                  <c:v>2</c:v>
+                </c:pt>
+                <c:pt idx="385">
+                  <c:v>2</c:v>
+                </c:pt>
+                <c:pt idx="386">
+                  <c:v>2</c:v>
+                </c:pt>
+                <c:pt idx="387">
+                  <c:v>2</c:v>
+                </c:pt>
+                <c:pt idx="388">
+                  <c:v>2</c:v>
+                </c:pt>
+                <c:pt idx="389">
+                  <c:v>2</c:v>
+                </c:pt>
+                <c:pt idx="390">
+                  <c:v>2</c:v>
+                </c:pt>
+                <c:pt idx="391">
+                  <c:v>2</c:v>
+                </c:pt>
+                <c:pt idx="392">
+                  <c:v>2</c:v>
+                </c:pt>
+                <c:pt idx="393">
+                  <c:v>2</c:v>
+                </c:pt>
+                <c:pt idx="394">
+                  <c:v>2</c:v>
+                </c:pt>
+                <c:pt idx="395">
+                  <c:v>2</c:v>
+                </c:pt>
+                <c:pt idx="396">
+                  <c:v>2</c:v>
+                </c:pt>
+                <c:pt idx="397">
+                  <c:v>2</c:v>
+                </c:pt>
+                <c:pt idx="398">
+                  <c:v>2</c:v>
+                </c:pt>
+                <c:pt idx="399">
+                  <c:v>2</c:v>
+                </c:pt>
+                <c:pt idx="400">
+                  <c:v>2</c:v>
+                </c:pt>
+                <c:pt idx="401">
+                  <c:v>2</c:v>
+                </c:pt>
+                <c:pt idx="402">
+                  <c:v>2</c:v>
+                </c:pt>
+                <c:pt idx="403">
+                  <c:v>2</c:v>
+                </c:pt>
+                <c:pt idx="404">
+                  <c:v>2</c:v>
+                </c:pt>
+                <c:pt idx="405">
+                  <c:v>2</c:v>
+                </c:pt>
+                <c:pt idx="406">
+                  <c:v>2</c:v>
+                </c:pt>
+                <c:pt idx="407">
+                  <c:v>2</c:v>
+                </c:pt>
+                <c:pt idx="408">
+                  <c:v>2</c:v>
+                </c:pt>
+                <c:pt idx="409">
+                  <c:v>2</c:v>
+                </c:pt>
+                <c:pt idx="410">
+                  <c:v>2</c:v>
+                </c:pt>
+                <c:pt idx="411">
+                  <c:v>2</c:v>
+                </c:pt>
+                <c:pt idx="412">
+                  <c:v>2</c:v>
+                </c:pt>
+                <c:pt idx="413">
+                  <c:v>1</c:v>
+                </c:pt>
+                <c:pt idx="414">
+                  <c:v>1</c:v>
+                </c:pt>
+                <c:pt idx="415">
+                  <c:v>1</c:v>
+                </c:pt>
+                <c:pt idx="416">
+                  <c:v>1</c:v>
+                </c:pt>
+                <c:pt idx="417">
+                  <c:v>1</c:v>
+                </c:pt>
+                <c:pt idx="418">
+                  <c:v>1</c:v>
+                </c:pt>
+                <c:pt idx="419">
+                  <c:v>1</c:v>
+                </c:pt>
+                <c:pt idx="420">
+                  <c:v>1</c:v>
+                </c:pt>
+                <c:pt idx="421">
+                  <c:v>1</c:v>
+                </c:pt>
+                <c:pt idx="422">
+                  <c:v>1</c:v>
+                </c:pt>
+                <c:pt idx="423">
+                  <c:v>1</c:v>
+                </c:pt>
+                <c:pt idx="424">
+                  <c:v>1</c:v>
+                </c:pt>
+                <c:pt idx="425">
+                  <c:v>1</c:v>
+                </c:pt>
+                <c:pt idx="426">
+                  <c:v>1</c:v>
+                </c:pt>
+                <c:pt idx="427">
+                  <c:v>1</c:v>
+                </c:pt>
+                <c:pt idx="428">
+                  <c:v>1</c:v>
+                </c:pt>
+                <c:pt idx="429">
+                  <c:v>1</c:v>
+                </c:pt>
+                <c:pt idx="430">
+                  <c:v>1</c:v>
+                </c:pt>
+                <c:pt idx="431">
+                  <c:v>1</c:v>
+                </c:pt>
+                <c:pt idx="432">
+                  <c:v>1</c:v>
+                </c:pt>
+                <c:pt idx="433">
+                  <c:v>1</c:v>
+                </c:pt>
+                <c:pt idx="434">
+                  <c:v>1</c:v>
+                </c:pt>
+                <c:pt idx="435">
+                  <c:v>1</c:v>
+                </c:pt>
+                <c:pt idx="436">
+                  <c:v>1</c:v>
+                </c:pt>
+                <c:pt idx="437">
+                  <c:v>1</c:v>
+                </c:pt>
+                <c:pt idx="438">
+                  <c:v>1</c:v>
+                </c:pt>
+                <c:pt idx="439">
+                  <c:v>1</c:v>
+                </c:pt>
+                <c:pt idx="440">
+                  <c:v>1</c:v>
+                </c:pt>
+                <c:pt idx="441">
+                  <c:v>1</c:v>
+                </c:pt>
+                <c:pt idx="442">
+                  <c:v>1</c:v>
+                </c:pt>
+                <c:pt idx="443">
+                  <c:v>1</c:v>
+                </c:pt>
+                <c:pt idx="444">
+                  <c:v>1</c:v>
+                </c:pt>
+                <c:pt idx="445">
+                  <c:v>1</c:v>
+                </c:pt>
+                <c:pt idx="446">
+                  <c:v>1</c:v>
+                </c:pt>
+                <c:pt idx="447">
+                  <c:v>1</c:v>
+                </c:pt>
+                <c:pt idx="448">
+                  <c:v>1</c:v>
+                </c:pt>
+                <c:pt idx="449">
+                  <c:v>1</c:v>
+                </c:pt>
+                <c:pt idx="450">
+                  <c:v>1</c:v>
+                </c:pt>
+                <c:pt idx="451">
+                  <c:v>1</c:v>
+                </c:pt>
+                <c:pt idx="452">
+                  <c:v>1</c:v>
+                </c:pt>
+                <c:pt idx="453">
+                  <c:v>1</c:v>
+                </c:pt>
+                <c:pt idx="454">
+                  <c:v>1</c:v>
+                </c:pt>
+                <c:pt idx="455">
+                  <c:v>1</c:v>
+                </c:pt>
+                <c:pt idx="456">
+                  <c:v>1</c:v>
+                </c:pt>
+                <c:pt idx="457">
+                  <c:v>1</c:v>
+                </c:pt>
+                <c:pt idx="458">
+                  <c:v>1</c:v>
+                </c:pt>
+                <c:pt idx="459">
+                  <c:v>1</c:v>
+                </c:pt>
+                <c:pt idx="460">
+                  <c:v>1</c:v>
+                </c:pt>
+                <c:pt idx="461">
+                  <c:v>1</c:v>
+                </c:pt>
+                <c:pt idx="462">
+                  <c:v>1</c:v>
+                </c:pt>
+                <c:pt idx="463">
+                  <c:v>1</c:v>
+                </c:pt>
+                <c:pt idx="464">
+                  <c:v>1</c:v>
+                </c:pt>
+                <c:pt idx="465">
+                  <c:v>1</c:v>
+                </c:pt>
+                <c:pt idx="466">
+                  <c:v>1</c:v>
+                </c:pt>
+                <c:pt idx="467">
+                  <c:v>1</c:v>
+                </c:pt>
+                <c:pt idx="468">
+                  <c:v>1</c:v>
+                </c:pt>
+                <c:pt idx="469">
+                  <c:v>1</c:v>
+                </c:pt>
+                <c:pt idx="470">
+                  <c:v>1</c:v>
+                </c:pt>
+                <c:pt idx="471">
+                  <c:v>1</c:v>
+                </c:pt>
+                <c:pt idx="472">
+                  <c:v>1</c:v>
+                </c:pt>
+                <c:pt idx="473">
+                  <c:v>1</c:v>
+                </c:pt>
+                <c:pt idx="474">
+                  <c:v>1</c:v>
+                </c:pt>
+                <c:pt idx="475">
+                  <c:v>1</c:v>
+                </c:pt>
+                <c:pt idx="476">
+                  <c:v>1</c:v>
+                </c:pt>
+                <c:pt idx="477">
+                  <c:v>1</c:v>
+                </c:pt>
+                <c:pt idx="478">
+                  <c:v>1</c:v>
+                </c:pt>
+                <c:pt idx="479">
+                  <c:v>1</c:v>
+                </c:pt>
+                <c:pt idx="480">
+                  <c:v>1</c:v>
+                </c:pt>
+                <c:pt idx="481">
+                  <c:v>1</c:v>
+                </c:pt>
+                <c:pt idx="482">
+                  <c:v>1</c:v>
+                </c:pt>
+                <c:pt idx="483">
+                  <c:v>1</c:v>
+                </c:pt>
+                <c:pt idx="484">
+                  <c:v>1</c:v>
+                </c:pt>
+                <c:pt idx="485">
+                  <c:v>1</c:v>
+                </c:pt>
+                <c:pt idx="486">
+                  <c:v>1</c:v>
+                </c:pt>
+                <c:pt idx="487">
+                  <c:v>1</c:v>
+                </c:pt>
+                <c:pt idx="488">
+                  <c:v>1</c:v>
+                </c:pt>
+                <c:pt idx="489">
+                  <c:v>1</c:v>
+                </c:pt>
+                <c:pt idx="490">
+                  <c:v>1</c:v>
+                </c:pt>
+                <c:pt idx="491">
+                  <c:v>1</c:v>
+                </c:pt>
+                <c:pt idx="492">
+                  <c:v>1</c:v>
+                </c:pt>
+                <c:pt idx="493">
+                  <c:v>1</c:v>
+                </c:pt>
+                <c:pt idx="494">
+                  <c:v>1</c:v>
+                </c:pt>
+                <c:pt idx="495">
+                  <c:v>1</c:v>
+                </c:pt>
+                <c:pt idx="496">
+                  <c:v>1</c:v>
+                </c:pt>
+                <c:pt idx="497">
+                  <c:v>1</c:v>
+                </c:pt>
+                <c:pt idx="498">
+                  <c:v>1</c:v>
+                </c:pt>
+                <c:pt idx="499">
+                  <c:v>1</c:v>
+                </c:pt>
+                <c:pt idx="500">
+                  <c:v>1</c:v>
+                </c:pt>
+                <c:pt idx="501">
+                  <c:v>1</c:v>
+                </c:pt>
+                <c:pt idx="502">
+                  <c:v>1</c:v>
+                </c:pt>
+                <c:pt idx="503">
+                  <c:v>1</c:v>
+                </c:pt>
+                <c:pt idx="504">
+                  <c:v>1</c:v>
+                </c:pt>
+                <c:pt idx="505">
+                  <c:v>1</c:v>
+                </c:pt>
+                <c:pt idx="506">
+                  <c:v>1</c:v>
+                </c:pt>
+                <c:pt idx="507">
+                  <c:v>1</c:v>
+                </c:pt>
+                <c:pt idx="508">
+                  <c:v>1</c:v>
+                </c:pt>
+                <c:pt idx="509">
+                  <c:v>1</c:v>
+                </c:pt>
+                <c:pt idx="510">
+                  <c:v>1</c:v>
+                </c:pt>
+                <c:pt idx="511">
+                  <c:v>1</c:v>
+                </c:pt>
+                <c:pt idx="512">
+                  <c:v>1</c:v>
+                </c:pt>
+                <c:pt idx="513">
+                  <c:v>1</c:v>
+                </c:pt>
+                <c:pt idx="514">
+                  <c:v>1</c:v>
+                </c:pt>
+                <c:pt idx="515">
+                  <c:v>1</c:v>
+                </c:pt>
+                <c:pt idx="516">
+                  <c:v>1</c:v>
+                </c:pt>
+                <c:pt idx="517">
+                  <c:v>1</c:v>
+                </c:pt>
+                <c:pt idx="518">
+                  <c:v>1</c:v>
+                </c:pt>
+                <c:pt idx="519">
+                  <c:v>1</c:v>
+                </c:pt>
+                <c:pt idx="520">
+                  <c:v>1</c:v>
+                </c:pt>
+                <c:pt idx="521">
+                  <c:v>1</c:v>
+                </c:pt>
+                <c:pt idx="522">
+                  <c:v>1</c:v>
+                </c:pt>
+                <c:pt idx="523">
+                  <c:v>1</c:v>
+                </c:pt>
+                <c:pt idx="524">
+                  <c:v>1</c:v>
+                </c:pt>
+                <c:pt idx="525">
+                  <c:v>1</c:v>
+                </c:pt>
+                <c:pt idx="526">
+                  <c:v>1</c:v>
+                </c:pt>
+                <c:pt idx="527">
+                  <c:v>1</c:v>
+                </c:pt>
+                <c:pt idx="528">
+                  <c:v>1</c:v>
+                </c:pt>
+                <c:pt idx="529">
+                  <c:v>1</c:v>
+                </c:pt>
+                <c:pt idx="530">
+                  <c:v>1</c:v>
+                </c:pt>
+                <c:pt idx="531">
+                  <c:v>1</c:v>
+                </c:pt>
+                <c:pt idx="532">
+                  <c:v>1</c:v>
+                </c:pt>
+                <c:pt idx="533">
+                  <c:v>1</c:v>
+                </c:pt>
+                <c:pt idx="534">
+                  <c:v>1</c:v>
+                </c:pt>
+                <c:pt idx="535">
+                  <c:v>1</c:v>
+                </c:pt>
+                <c:pt idx="536">
+                  <c:v>1</c:v>
+                </c:pt>
+                <c:pt idx="537">
+                  <c:v>1</c:v>
+                </c:pt>
+                <c:pt idx="538">
+                  <c:v>1</c:v>
+                </c:pt>
+                <c:pt idx="539">
+                  <c:v>1</c:v>
+                </c:pt>
+                <c:pt idx="540">
+                  <c:v>1</c:v>
+                </c:pt>
+                <c:pt idx="541">
+                  <c:v>1</c:v>
+                </c:pt>
+                <c:pt idx="542">
+                  <c:v>1</c:v>
+                </c:pt>
+                <c:pt idx="543">
+                  <c:v>1</c:v>
+                </c:pt>
+                <c:pt idx="544">
+                  <c:v>1</c:v>
+                </c:pt>
+                <c:pt idx="545">
+                  <c:v>1</c:v>
+                </c:pt>
+                <c:pt idx="546">
+                  <c:v>1</c:v>
+                </c:pt>
+                <c:pt idx="547">
+                  <c:v>1</c:v>
+                </c:pt>
+                <c:pt idx="548">
+                  <c:v>1</c:v>
+                </c:pt>
+                <c:pt idx="549">
+                  <c:v>1</c:v>
+                </c:pt>
+                <c:pt idx="550">
+                  <c:v>1</c:v>
+                </c:pt>
+                <c:pt idx="551">
+                  <c:v>1</c:v>
+                </c:pt>
+                <c:pt idx="552">
+                  <c:v>1</c:v>
+                </c:pt>
+                <c:pt idx="553">
+                  <c:v>1</c:v>
+                </c:pt>
+                <c:pt idx="554">
+                  <c:v>1</c:v>
+                </c:pt>
+                <c:pt idx="555">
+                  <c:v>1</c:v>
+                </c:pt>
+                <c:pt idx="556">
+                  <c:v>1</c:v>
+                </c:pt>
+                <c:pt idx="557">
+                  <c:v>1</c:v>
+                </c:pt>
+                <c:pt idx="558">
+                  <c:v>1</c:v>
+                </c:pt>
+                <c:pt idx="559">
+                  <c:v>1</c:v>
+                </c:pt>
+                <c:pt idx="560">
+                  <c:v>1</c:v>
+                </c:pt>
+                <c:pt idx="561">
+                  <c:v>1</c:v>
+                </c:pt>
+                <c:pt idx="562">
+                  <c:v>1</c:v>
+                </c:pt>
+                <c:pt idx="563">
+                  <c:v>1</c:v>
+                </c:pt>
+                <c:pt idx="564">
+                  <c:v>1</c:v>
+                </c:pt>
+                <c:pt idx="565">
+                  <c:v>1</c:v>
+                </c:pt>
+                <c:pt idx="566">
+                  <c:v>1</c:v>
+                </c:pt>
+                <c:pt idx="567">
+                  <c:v>1</c:v>
+                </c:pt>
+                <c:pt idx="568">
+                  <c:v>1</c:v>
+                </c:pt>
+                <c:pt idx="569">
+                  <c:v>1</c:v>
+                </c:pt>
+                <c:pt idx="570">
+                  <c:v>1</c:v>
+                </c:pt>
+                <c:pt idx="571">
+                  <c:v>1</c:v>
+                </c:pt>
+                <c:pt idx="572">
+                  <c:v>1</c:v>
+                </c:pt>
+                <c:pt idx="573">
+                  <c:v>1</c:v>
+                </c:pt>
+                <c:pt idx="574">
+                  <c:v>1</c:v>
+                </c:pt>
+                <c:pt idx="575">
+                  <c:v>1</c:v>
+                </c:pt>
+                <c:pt idx="576">
+                  <c:v>1</c:v>
+                </c:pt>
+                <c:pt idx="577">
+                  <c:v>1</c:v>
+                </c:pt>
+                <c:pt idx="578">
+                  <c:v>1</c:v>
+                </c:pt>
+                <c:pt idx="579">
+                  <c:v>1</c:v>
+                </c:pt>
+                <c:pt idx="580">
+                  <c:v>1</c:v>
+                </c:pt>
+                <c:pt idx="581">
+                  <c:v>1</c:v>
+                </c:pt>
+                <c:pt idx="582">
+                  <c:v>1</c:v>
+                </c:pt>
+                <c:pt idx="583">
+                  <c:v>1</c:v>
+                </c:pt>
+                <c:pt idx="584">
+                  <c:v>1</c:v>
+                </c:pt>
+                <c:pt idx="585">
+                  <c:v>1</c:v>
+                </c:pt>
+                <c:pt idx="586">
+                  <c:v>1</c:v>
+                </c:pt>
+                <c:pt idx="587">
+                  <c:v>1</c:v>
+                </c:pt>
+                <c:pt idx="588">
+                  <c:v>1</c:v>
+                </c:pt>
+                <c:pt idx="589">
+                  <c:v>1</c:v>
+                </c:pt>
+                <c:pt idx="590">
+                  <c:v>1</c:v>
+                </c:pt>
+                <c:pt idx="591">
+                  <c:v>1</c:v>
+                </c:pt>
+                <c:pt idx="592">
+                  <c:v>1</c:v>
+                </c:pt>
+                <c:pt idx="593">
+                  <c:v>1</c:v>
+                </c:pt>
+                <c:pt idx="594">
+                  <c:v>1</c:v>
+                </c:pt>
+                <c:pt idx="595">
+                  <c:v>1</c:v>
+                </c:pt>
+                <c:pt idx="596">
+                  <c:v>1</c:v>
+                </c:pt>
+                <c:pt idx="597">
+                  <c:v>1</c:v>
+                </c:pt>
+                <c:pt idx="598">
+                  <c:v>1</c:v>
+                </c:pt>
+                <c:pt idx="599">
+                  <c:v>1</c:v>
+                </c:pt>
+                <c:pt idx="600">
+                  <c:v>1</c:v>
+                </c:pt>
+                <c:pt idx="601">
+                  <c:v>1</c:v>
+                </c:pt>
+                <c:pt idx="602">
+                  <c:v>1</c:v>
+                </c:pt>
+                <c:pt idx="603">
+                  <c:v>1</c:v>
+                </c:pt>
+                <c:pt idx="604">
+                  <c:v>1</c:v>
+                </c:pt>
+                <c:pt idx="605">
+                  <c:v>1</c:v>
+                </c:pt>
+                <c:pt idx="606">
+                  <c:v>1</c:v>
+                </c:pt>
+                <c:pt idx="607">
+                  <c:v>1</c:v>
+                </c:pt>
+                <c:pt idx="608">
+                  <c:v>1</c:v>
+                </c:pt>
+                <c:pt idx="609">
+                  <c:v>1</c:v>
+                </c:pt>
+                <c:pt idx="610">
+                  <c:v>1</c:v>
+                </c:pt>
+                <c:pt idx="611">
+                  <c:v>1</c:v>
+                </c:pt>
+                <c:pt idx="612">
+                  <c:v>1</c:v>
+                </c:pt>
+                <c:pt idx="613">
+                  <c:v>1</c:v>
+                </c:pt>
+                <c:pt idx="614">
+                  <c:v>1</c:v>
+                </c:pt>
+                <c:pt idx="615">
+                  <c:v>1</c:v>
+                </c:pt>
+                <c:pt idx="616">
+                  <c:v>1</c:v>
+                </c:pt>
+                <c:pt idx="617">
+                  <c:v>1</c:v>
+                </c:pt>
+                <c:pt idx="618">
+                  <c:v>1</c:v>
+                </c:pt>
+                <c:pt idx="619">
+                  <c:v>1</c:v>
+                </c:pt>
+                <c:pt idx="620">
+                  <c:v>1</c:v>
+                </c:pt>
+                <c:pt idx="621">
+                  <c:v>1</c:v>
+                </c:pt>
+                <c:pt idx="622">
+                  <c:v>1</c:v>
+                </c:pt>
+                <c:pt idx="623">
+                  <c:v>1</c:v>
+                </c:pt>
+                <c:pt idx="624">
+                  <c:v>1</c:v>
+                </c:pt>
+                <c:pt idx="625">
+                  <c:v>1</c:v>
+                </c:pt>
+                <c:pt idx="626">
+                  <c:v>1</c:v>
+                </c:pt>
+                <c:pt idx="627">
+                  <c:v>1</c:v>
+                </c:pt>
+                <c:pt idx="628">
+                  <c:v>1</c:v>
+                </c:pt>
+                <c:pt idx="629">
+                  <c:v>1</c:v>
+                </c:pt>
+                <c:pt idx="630">
+                  <c:v>1</c:v>
+                </c:pt>
+              </c:numCache>
+            </c:numRef>
+          </c:yVal>
+          <c:smooth val="0"/>
+        </c:ser>
+        <c:dLbls>
+          <c:showLegendKey val="0"/>
+          <c:showVal val="0"/>
+          <c:showCatName val="0"/>
+          <c:showSerName val="0"/>
+          <c:showPercent val="0"/>
+          <c:showBubbleSize val="0"/>
+        </c:dLbls>
+        <c:axId val="41712960"/>
+        <c:axId val="116301824"/>
+      </c:scatterChart>
+      <c:valAx>
+        <c:axId val="41712960"/>
         <c:scaling>
           <c:orientation val="minMax"/>
           <c:max val="650"/>
@@ -2118,13 +4913,13 @@
             <a:endParaRPr lang="de-DE"/>
           </a:p>
         </c:txPr>
-        <c:crossAx val="6268608"/>
+        <c:crossAx val="116301824"/>
         <c:crossesAt val="1"/>
         <c:crossBetween val="midCat"/>
         <c:majorUnit val="100"/>
       </c:valAx>
       <c:valAx>
-        <c:axId val="6268608"/>
+        <c:axId val="116301824"/>
         <c:scaling>
           <c:logBase val="10"/>
           <c:orientation val="minMax"/>
@@ -2176,7 +4971,7 @@
             <a:endParaRPr lang="de-DE"/>
           </a:p>
         </c:txPr>
-        <c:crossAx val="147328960"/>
+        <c:crossAx val="41712960"/>
         <c:crosses val="autoZero"/>
         <c:crossBetween val="midCat"/>
       </c:valAx>
@@ -2191,7 +4986,7 @@
 </c:chartSpace>
 </file>
 
-<file path=ppt/charts/chart2.xml><?xml version="1.0" encoding="utf-8"?>
+<file path=ppt/charts/chart3.xml><?xml version="1.0" encoding="utf-8"?>
 <c:chartSpace xmlns:c="http://schemas.openxmlformats.org/drawingml/2006/chart" xmlns:a="http://schemas.openxmlformats.org/drawingml/2006/main" xmlns:r="http://schemas.openxmlformats.org/officeDocument/2006/relationships">
   <c:date1904 val="0"/>
   <c:lang val="de-DE"/>
@@ -5751,11 +8546,11 @@
           <c:showPercent val="0"/>
           <c:showBubbleSize val="0"/>
         </c:dLbls>
-        <c:axId val="41611200"/>
-        <c:axId val="41611776"/>
+        <c:axId val="116308736"/>
+        <c:axId val="116309312"/>
       </c:scatterChart>
       <c:valAx>
-        <c:axId val="41611200"/>
+        <c:axId val="116308736"/>
         <c:scaling>
           <c:orientation val="minMax"/>
           <c:max val="1170"/>
@@ -5806,13 +8601,13 @@
             <a:endParaRPr lang="de-DE"/>
           </a:p>
         </c:txPr>
-        <c:crossAx val="41611776"/>
+        <c:crossAx val="116309312"/>
         <c:crossesAt val="1"/>
         <c:crossBetween val="midCat"/>
         <c:majorUnit val="200"/>
       </c:valAx>
       <c:valAx>
-        <c:axId val="41611776"/>
+        <c:axId val="116309312"/>
         <c:scaling>
           <c:logBase val="10"/>
           <c:orientation val="minMax"/>
@@ -5861,7 +8656,7 @@
             <a:endParaRPr lang="de-DE"/>
           </a:p>
         </c:txPr>
-        <c:crossAx val="41611200"/>
+        <c:crossAx val="116308736"/>
         <c:crosses val="autoZero"/>
         <c:crossBetween val="midCat"/>
       </c:valAx>
@@ -6057,7 +8852,7 @@
           <a:p>
             <a:fld id="{1BA50D42-C9CD-4801-B293-61D1F53EC57E}" type="datetimeFigureOut">
               <a:rPr lang="de-DE" smtClean="0"/>
-              <a:t>25.08.2017</a:t>
+              <a:t>05.09.2017</a:t>
             </a:fld>
             <a:endParaRPr lang="de-DE"/>
           </a:p>
@@ -6222,7 +9017,7 @@
           <a:p>
             <a:fld id="{1BA50D42-C9CD-4801-B293-61D1F53EC57E}" type="datetimeFigureOut">
               <a:rPr lang="de-DE" smtClean="0"/>
-              <a:t>25.08.2017</a:t>
+              <a:t>05.09.2017</a:t>
             </a:fld>
             <a:endParaRPr lang="de-DE"/>
           </a:p>
@@ -6397,7 +9192,7 @@
           <a:p>
             <a:fld id="{1BA50D42-C9CD-4801-B293-61D1F53EC57E}" type="datetimeFigureOut">
               <a:rPr lang="de-DE" smtClean="0"/>
-              <a:t>25.08.2017</a:t>
+              <a:t>05.09.2017</a:t>
             </a:fld>
             <a:endParaRPr lang="de-DE"/>
           </a:p>
@@ -6562,7 +9357,7 @@
           <a:p>
             <a:fld id="{1BA50D42-C9CD-4801-B293-61D1F53EC57E}" type="datetimeFigureOut">
               <a:rPr lang="de-DE" smtClean="0"/>
-              <a:t>25.08.2017</a:t>
+              <a:t>05.09.2017</a:t>
             </a:fld>
             <a:endParaRPr lang="de-DE"/>
           </a:p>
@@ -6803,7 +9598,7 @@
           <a:p>
             <a:fld id="{1BA50D42-C9CD-4801-B293-61D1F53EC57E}" type="datetimeFigureOut">
               <a:rPr lang="de-DE" smtClean="0"/>
-              <a:t>25.08.2017</a:t>
+              <a:t>05.09.2017</a:t>
             </a:fld>
             <a:endParaRPr lang="de-DE"/>
           </a:p>
@@ -7086,7 +9881,7 @@
           <a:p>
             <a:fld id="{1BA50D42-C9CD-4801-B293-61D1F53EC57E}" type="datetimeFigureOut">
               <a:rPr lang="de-DE" smtClean="0"/>
-              <a:t>25.08.2017</a:t>
+              <a:t>05.09.2017</a:t>
             </a:fld>
             <a:endParaRPr lang="de-DE"/>
           </a:p>
@@ -7503,7 +10298,7 @@
           <a:p>
             <a:fld id="{1BA50D42-C9CD-4801-B293-61D1F53EC57E}" type="datetimeFigureOut">
               <a:rPr lang="de-DE" smtClean="0"/>
-              <a:t>25.08.2017</a:t>
+              <a:t>05.09.2017</a:t>
             </a:fld>
             <a:endParaRPr lang="de-DE"/>
           </a:p>
@@ -7616,7 +10411,7 @@
           <a:p>
             <a:fld id="{1BA50D42-C9CD-4801-B293-61D1F53EC57E}" type="datetimeFigureOut">
               <a:rPr lang="de-DE" smtClean="0"/>
-              <a:t>25.08.2017</a:t>
+              <a:t>05.09.2017</a:t>
             </a:fld>
             <a:endParaRPr lang="de-DE"/>
           </a:p>
@@ -7706,7 +10501,7 @@
           <a:p>
             <a:fld id="{1BA50D42-C9CD-4801-B293-61D1F53EC57E}" type="datetimeFigureOut">
               <a:rPr lang="de-DE" smtClean="0"/>
-              <a:t>25.08.2017</a:t>
+              <a:t>05.09.2017</a:t>
             </a:fld>
             <a:endParaRPr lang="de-DE"/>
           </a:p>
@@ -7978,7 +10773,7 @@
           <a:p>
             <a:fld id="{1BA50D42-C9CD-4801-B293-61D1F53EC57E}" type="datetimeFigureOut">
               <a:rPr lang="de-DE" smtClean="0"/>
-              <a:t>25.08.2017</a:t>
+              <a:t>05.09.2017</a:t>
             </a:fld>
             <a:endParaRPr lang="de-DE"/>
           </a:p>
@@ -8226,7 +11021,7 @@
           <a:p>
             <a:fld id="{1BA50D42-C9CD-4801-B293-61D1F53EC57E}" type="datetimeFigureOut">
               <a:rPr lang="de-DE" smtClean="0"/>
-              <a:t>25.08.2017</a:t>
+              <a:t>05.09.2017</a:t>
             </a:fld>
             <a:endParaRPr lang="de-DE"/>
           </a:p>
@@ -8434,7 +11229,7 @@
           <a:p>
             <a:fld id="{1BA50D42-C9CD-4801-B293-61D1F53EC57E}" type="datetimeFigureOut">
               <a:rPr lang="de-DE" smtClean="0"/>
-              <a:t>25.08.2017</a:t>
+              <a:t>05.09.2017</a:t>
             </a:fld>
             <a:endParaRPr lang="de-DE"/>
           </a:p>
@@ -8806,6 +11601,60 @@
       </p:grpSpPr>
       <p:graphicFrame>
         <p:nvGraphicFramePr>
+          <p:cNvPr id="3" name="Diagramm 2"/>
+          <p:cNvGraphicFramePr>
+            <a:graphicFrameLocks/>
+          </p:cNvGraphicFramePr>
+          <p:nvPr>
+            <p:extLst>
+              <p:ext uri="{D42A27DB-BD31-4B8C-83A1-F6EECF244321}">
+                <p14:modId xmlns:p14="http://schemas.microsoft.com/office/powerpoint/2010/main" val="3343744232"/>
+              </p:ext>
+            </p:extLst>
+          </p:nvPr>
+        </p:nvGraphicFramePr>
+        <p:xfrm>
+          <a:off x="-137" y="0"/>
+          <a:ext cx="2880000" cy="1440000"/>
+        </p:xfrm>
+        <a:graphic>
+          <a:graphicData uri="http://schemas.openxmlformats.org/drawingml/2006/chart">
+            <c:chart xmlns:c="http://schemas.openxmlformats.org/drawingml/2006/chart" xmlns:r="http://schemas.openxmlformats.org/officeDocument/2006/relationships" r:id="rId2"/>
+          </a:graphicData>
+        </a:graphic>
+      </p:graphicFrame>
+    </p:spTree>
+    <p:extLst>
+      <p:ext uri="{BB962C8B-B14F-4D97-AF65-F5344CB8AC3E}">
+        <p14:creationId xmlns:p14="http://schemas.microsoft.com/office/powerpoint/2010/main" val="2970740777"/>
+      </p:ext>
+    </p:extLst>
+  </p:cSld>
+  <p:clrMapOvr>
+    <a:masterClrMapping/>
+  </p:clrMapOvr>
+</p:sld>
+</file>
+
+<file path=ppt/slides/slide2.xml><?xml version="1.0" encoding="utf-8"?>
+<p:sld xmlns:a="http://schemas.openxmlformats.org/drawingml/2006/main" xmlns:r="http://schemas.openxmlformats.org/officeDocument/2006/relationships" xmlns:p="http://schemas.openxmlformats.org/presentationml/2006/main">
+  <p:cSld>
+    <p:spTree>
+      <p:nvGrpSpPr>
+        <p:cNvPr id="1" name=""/>
+        <p:cNvGrpSpPr/>
+        <p:nvPr/>
+      </p:nvGrpSpPr>
+      <p:grpSpPr>
+        <a:xfrm>
+          <a:off x="0" y="0"/>
+          <a:ext cx="0" cy="0"/>
+          <a:chOff x="0" y="0"/>
+          <a:chExt cx="0" cy="0"/>
+        </a:xfrm>
+      </p:grpSpPr>
+      <p:graphicFrame>
+        <p:nvGraphicFramePr>
           <p:cNvPr id="7" name="Diagramm 6"/>
           <p:cNvGraphicFramePr>
             <a:graphicFrameLocks/>
@@ -8841,7 +11690,7 @@
 </p:sld>
 </file>
 
-<file path=ppt/slides/slide2.xml><?xml version="1.0" encoding="utf-8"?>
+<file path=ppt/slides/slide3.xml><?xml version="1.0" encoding="utf-8"?>
 <p:sld xmlns:a="http://schemas.openxmlformats.org/drawingml/2006/main" xmlns:r="http://schemas.openxmlformats.org/officeDocument/2006/relationships" xmlns:p="http://schemas.openxmlformats.org/presentationml/2006/main">
   <p:cSld>
     <p:spTree>
